--- a/我需要有你在我生命中.pptx
+++ b/我需要有你在我生命中.pptx
@@ -2,14 +2,14 @@
 <file path=ppt/presentation.xml><?xml version="1.0" encoding="utf-8"?>
 <p:presentation xmlns:a="http://schemas.openxmlformats.org/drawingml/2006/main" xmlns:r="http://schemas.openxmlformats.org/officeDocument/2006/relationships" xmlns:p="http://schemas.openxmlformats.org/presentationml/2006/main" saveSubsetFonts="1">
   <p:sldMasterIdLst>
-    <p:sldMasterId id="2147483648" r:id="rId1"/>
+    <p:sldMasterId id="2147483660" r:id="rId1"/>
   </p:sldMasterIdLst>
   <p:sldIdLst>
     <p:sldId id="257" r:id="rId2"/>
     <p:sldId id="258" r:id="rId3"/>
     <p:sldId id="259" r:id="rId4"/>
   </p:sldIdLst>
-  <p:sldSz cx="9144000" cy="6858000" type="screen4x3"/>
+  <p:sldSz cx="12192000" cy="6858000"/>
   <p:notesSz cx="6858000" cy="9144000"/>
   <p:defaultTextStyle>
     <a:defPPr>
@@ -106,6 +106,22 @@
       </a:defRPr>
     </a:lvl9pPr>
   </p:defaultTextStyle>
+  <p:extLst>
+    <p:ext uri="{EFAFB233-063F-42B5-8137-9DF3F51BA10A}">
+      <p15:sldGuideLst xmlns:p15="http://schemas.microsoft.com/office/powerpoint/2012/main">
+        <p15:guide id="1" orient="horz" pos="2160" userDrawn="1">
+          <p15:clr>
+            <a:srgbClr val="A4A3A4"/>
+          </p15:clr>
+        </p15:guide>
+        <p15:guide id="2" pos="3840" userDrawn="1">
+          <p15:clr>
+            <a:srgbClr val="A4A3A4"/>
+          </p15:clr>
+        </p15:guide>
+      </p15:sldGuideLst>
+    </p:ext>
+  </p:extLst>
 </p:presentation>
 </file>
 
@@ -138,8 +154,8 @@
         </p:nvSpPr>
         <p:spPr>
           <a:xfrm>
-            <a:off x="685800" y="2130425"/>
-            <a:ext cx="7772400" cy="1470025"/>
+            <a:off x="914400" y="2130427"/>
+            <a:ext cx="10363200" cy="1470025"/>
           </a:xfrm>
         </p:spPr>
         <p:txBody>
@@ -147,8 +163,8 @@
           <a:lstStyle/>
           <a:p>
             <a:r>
-              <a:rPr lang="zh-TW" altLang="en-US" smtClean="0"/>
-              <a:t>按一下以編輯母片標題樣式</a:t>
+              <a:rPr lang="en-US" altLang="zh-TW" smtClean="0"/>
+              <a:t>Click to edit Master title style</a:t>
             </a:r>
             <a:endParaRPr lang="zh-TW" altLang="en-US"/>
           </a:p>
@@ -166,8 +182,8 @@
         </p:nvSpPr>
         <p:spPr>
           <a:xfrm>
-            <a:off x="1371600" y="3886200"/>
-            <a:ext cx="6400800" cy="1752600"/>
+            <a:off x="1828800" y="3886200"/>
+            <a:ext cx="8534400" cy="1752600"/>
           </a:xfrm>
         </p:spPr>
         <p:txBody>
@@ -266,8 +282,8 @@
           </a:lstStyle>
           <a:p>
             <a:r>
-              <a:rPr lang="zh-TW" altLang="en-US" smtClean="0"/>
-              <a:t>按一下以編輯母片副標題樣式</a:t>
+              <a:rPr lang="en-US" altLang="zh-TW" smtClean="0"/>
+              <a:t>Click to edit Master subtitle style</a:t>
             </a:r>
             <a:endParaRPr lang="zh-TW" altLang="en-US"/>
           </a:p>
@@ -290,7 +306,7 @@
           <a:p>
             <a:fld id="{641968FE-19D5-4114-B53F-D43144FE8E97}" type="datetimeFigureOut">
               <a:rPr lang="zh-TW" altLang="en-US" smtClean="0"/>
-              <a:t>2018/2/5</a:t>
+              <a:t>2020/2/8</a:t>
             </a:fld>
             <a:endParaRPr lang="zh-TW" altLang="en-US"/>
           </a:p>
@@ -339,6 +355,11 @@
         </p:txBody>
       </p:sp>
     </p:spTree>
+    <p:extLst>
+      <p:ext uri="{BB962C8B-B14F-4D97-AF65-F5344CB8AC3E}">
+        <p14:creationId xmlns:p14="http://schemas.microsoft.com/office/powerpoint/2010/main" val="1097350504"/>
+      </p:ext>
+    </p:extLst>
   </p:cSld>
   <p:clrMapOvr>
     <a:masterClrMapping/>
@@ -379,8 +400,8 @@
           <a:lstStyle/>
           <a:p>
             <a:r>
-              <a:rPr lang="zh-TW" altLang="en-US" smtClean="0"/>
-              <a:t>按一下以編輯母片標題樣式</a:t>
+              <a:rPr lang="en-US" altLang="zh-TW" smtClean="0"/>
+              <a:t>Click to edit Master title style</a:t>
             </a:r>
             <a:endParaRPr lang="zh-TW" altLang="en-US"/>
           </a:p>
@@ -403,36 +424,36 @@
           <a:p>
             <a:pPr lvl="0"/>
             <a:r>
-              <a:rPr lang="zh-TW" altLang="en-US" smtClean="0"/>
-              <a:t>按一下以編輯母片文字樣式</a:t>
+              <a:rPr lang="en-US" altLang="zh-TW" smtClean="0"/>
+              <a:t>Edit Master text styles</a:t>
             </a:r>
           </a:p>
           <a:p>
             <a:pPr lvl="1"/>
             <a:r>
-              <a:rPr lang="zh-TW" altLang="en-US" smtClean="0"/>
-              <a:t>第二層</a:t>
+              <a:rPr lang="en-US" altLang="zh-TW" smtClean="0"/>
+              <a:t>Second level</a:t>
             </a:r>
           </a:p>
           <a:p>
             <a:pPr lvl="2"/>
             <a:r>
-              <a:rPr lang="zh-TW" altLang="en-US" smtClean="0"/>
-              <a:t>第三層</a:t>
+              <a:rPr lang="en-US" altLang="zh-TW" smtClean="0"/>
+              <a:t>Third level</a:t>
             </a:r>
           </a:p>
           <a:p>
             <a:pPr lvl="3"/>
             <a:r>
-              <a:rPr lang="zh-TW" altLang="en-US" smtClean="0"/>
-              <a:t>第四層</a:t>
+              <a:rPr lang="en-US" altLang="zh-TW" smtClean="0"/>
+              <a:t>Fourth level</a:t>
             </a:r>
           </a:p>
           <a:p>
             <a:pPr lvl="4"/>
             <a:r>
-              <a:rPr lang="zh-TW" altLang="en-US" smtClean="0"/>
-              <a:t>第五層</a:t>
+              <a:rPr lang="en-US" altLang="zh-TW" smtClean="0"/>
+              <a:t>Fifth level</a:t>
             </a:r>
             <a:endParaRPr lang="zh-TW" altLang="en-US"/>
           </a:p>
@@ -455,7 +476,7 @@
           <a:p>
             <a:fld id="{641968FE-19D5-4114-B53F-D43144FE8E97}" type="datetimeFigureOut">
               <a:rPr lang="zh-TW" altLang="en-US" smtClean="0"/>
-              <a:t>2018/2/5</a:t>
+              <a:t>2020/2/8</a:t>
             </a:fld>
             <a:endParaRPr lang="zh-TW" altLang="en-US"/>
           </a:p>
@@ -504,6 +525,11 @@
         </p:txBody>
       </p:sp>
     </p:spTree>
+    <p:extLst>
+      <p:ext uri="{BB962C8B-B14F-4D97-AF65-F5344CB8AC3E}">
+        <p14:creationId xmlns:p14="http://schemas.microsoft.com/office/powerpoint/2010/main" val="3166314208"/>
+      </p:ext>
+    </p:extLst>
   </p:cSld>
   <p:clrMapOvr>
     <a:masterClrMapping/>
@@ -540,8 +566,8 @@
         </p:nvSpPr>
         <p:spPr>
           <a:xfrm>
-            <a:off x="6629400" y="274638"/>
-            <a:ext cx="2057400" cy="5851525"/>
+            <a:off x="8839200" y="274640"/>
+            <a:ext cx="2743200" cy="5851525"/>
           </a:xfrm>
         </p:spPr>
         <p:txBody>
@@ -549,8 +575,8 @@
           <a:lstStyle/>
           <a:p>
             <a:r>
-              <a:rPr lang="zh-TW" altLang="en-US" smtClean="0"/>
-              <a:t>按一下以編輯母片標題樣式</a:t>
+              <a:rPr lang="en-US" altLang="zh-TW" smtClean="0"/>
+              <a:t>Click to edit Master title style</a:t>
             </a:r>
             <a:endParaRPr lang="zh-TW" altLang="en-US"/>
           </a:p>
@@ -568,8 +594,8 @@
         </p:nvSpPr>
         <p:spPr>
           <a:xfrm>
-            <a:off x="457200" y="274638"/>
-            <a:ext cx="6019800" cy="5851525"/>
+            <a:off x="609600" y="274640"/>
+            <a:ext cx="8026400" cy="5851525"/>
           </a:xfrm>
         </p:spPr>
         <p:txBody>
@@ -578,36 +604,36 @@
           <a:p>
             <a:pPr lvl="0"/>
             <a:r>
-              <a:rPr lang="zh-TW" altLang="en-US" smtClean="0"/>
-              <a:t>按一下以編輯母片文字樣式</a:t>
+              <a:rPr lang="en-US" altLang="zh-TW" smtClean="0"/>
+              <a:t>Edit Master text styles</a:t>
             </a:r>
           </a:p>
           <a:p>
             <a:pPr lvl="1"/>
             <a:r>
-              <a:rPr lang="zh-TW" altLang="en-US" smtClean="0"/>
-              <a:t>第二層</a:t>
+              <a:rPr lang="en-US" altLang="zh-TW" smtClean="0"/>
+              <a:t>Second level</a:t>
             </a:r>
           </a:p>
           <a:p>
             <a:pPr lvl="2"/>
             <a:r>
-              <a:rPr lang="zh-TW" altLang="en-US" smtClean="0"/>
-              <a:t>第三層</a:t>
+              <a:rPr lang="en-US" altLang="zh-TW" smtClean="0"/>
+              <a:t>Third level</a:t>
             </a:r>
           </a:p>
           <a:p>
             <a:pPr lvl="3"/>
             <a:r>
-              <a:rPr lang="zh-TW" altLang="en-US" smtClean="0"/>
-              <a:t>第四層</a:t>
+              <a:rPr lang="en-US" altLang="zh-TW" smtClean="0"/>
+              <a:t>Fourth level</a:t>
             </a:r>
           </a:p>
           <a:p>
             <a:pPr lvl="4"/>
             <a:r>
-              <a:rPr lang="zh-TW" altLang="en-US" smtClean="0"/>
-              <a:t>第五層</a:t>
+              <a:rPr lang="en-US" altLang="zh-TW" smtClean="0"/>
+              <a:t>Fifth level</a:t>
             </a:r>
             <a:endParaRPr lang="zh-TW" altLang="en-US"/>
           </a:p>
@@ -630,7 +656,7 @@
           <a:p>
             <a:fld id="{641968FE-19D5-4114-B53F-D43144FE8E97}" type="datetimeFigureOut">
               <a:rPr lang="zh-TW" altLang="en-US" smtClean="0"/>
-              <a:t>2018/2/5</a:t>
+              <a:t>2020/2/8</a:t>
             </a:fld>
             <a:endParaRPr lang="zh-TW" altLang="en-US"/>
           </a:p>
@@ -679,6 +705,11 @@
         </p:txBody>
       </p:sp>
     </p:spTree>
+    <p:extLst>
+      <p:ext uri="{BB962C8B-B14F-4D97-AF65-F5344CB8AC3E}">
+        <p14:creationId xmlns:p14="http://schemas.microsoft.com/office/powerpoint/2010/main" val="745391363"/>
+      </p:ext>
+    </p:extLst>
   </p:cSld>
   <p:clrMapOvr>
     <a:masterClrMapping/>
@@ -719,8 +750,8 @@
           <a:lstStyle/>
           <a:p>
             <a:r>
-              <a:rPr lang="zh-TW" altLang="en-US" smtClean="0"/>
-              <a:t>按一下以編輯母片標題樣式</a:t>
+              <a:rPr lang="en-US" altLang="zh-TW" smtClean="0"/>
+              <a:t>Click to edit Master title style</a:t>
             </a:r>
             <a:endParaRPr lang="zh-TW" altLang="en-US"/>
           </a:p>
@@ -743,36 +774,36 @@
           <a:p>
             <a:pPr lvl="0"/>
             <a:r>
-              <a:rPr lang="zh-TW" altLang="en-US" smtClean="0"/>
-              <a:t>按一下以編輯母片文字樣式</a:t>
+              <a:rPr lang="en-US" altLang="zh-TW" smtClean="0"/>
+              <a:t>Edit Master text styles</a:t>
             </a:r>
           </a:p>
           <a:p>
             <a:pPr lvl="1"/>
             <a:r>
-              <a:rPr lang="zh-TW" altLang="en-US" smtClean="0"/>
-              <a:t>第二層</a:t>
+              <a:rPr lang="en-US" altLang="zh-TW" smtClean="0"/>
+              <a:t>Second level</a:t>
             </a:r>
           </a:p>
           <a:p>
             <a:pPr lvl="2"/>
             <a:r>
-              <a:rPr lang="zh-TW" altLang="en-US" smtClean="0"/>
-              <a:t>第三層</a:t>
+              <a:rPr lang="en-US" altLang="zh-TW" smtClean="0"/>
+              <a:t>Third level</a:t>
             </a:r>
           </a:p>
           <a:p>
             <a:pPr lvl="3"/>
             <a:r>
-              <a:rPr lang="zh-TW" altLang="en-US" smtClean="0"/>
-              <a:t>第四層</a:t>
+              <a:rPr lang="en-US" altLang="zh-TW" smtClean="0"/>
+              <a:t>Fourth level</a:t>
             </a:r>
           </a:p>
           <a:p>
             <a:pPr lvl="4"/>
             <a:r>
-              <a:rPr lang="zh-TW" altLang="en-US" smtClean="0"/>
-              <a:t>第五層</a:t>
+              <a:rPr lang="en-US" altLang="zh-TW" smtClean="0"/>
+              <a:t>Fifth level</a:t>
             </a:r>
             <a:endParaRPr lang="zh-TW" altLang="en-US"/>
           </a:p>
@@ -795,7 +826,7 @@
           <a:p>
             <a:fld id="{641968FE-19D5-4114-B53F-D43144FE8E97}" type="datetimeFigureOut">
               <a:rPr lang="zh-TW" altLang="en-US" smtClean="0"/>
-              <a:t>2018/2/5</a:t>
+              <a:t>2020/2/8</a:t>
             </a:fld>
             <a:endParaRPr lang="zh-TW" altLang="en-US"/>
           </a:p>
@@ -844,6 +875,11 @@
         </p:txBody>
       </p:sp>
     </p:spTree>
+    <p:extLst>
+      <p:ext uri="{BB962C8B-B14F-4D97-AF65-F5344CB8AC3E}">
+        <p14:creationId xmlns:p14="http://schemas.microsoft.com/office/powerpoint/2010/main" val="2736091142"/>
+      </p:ext>
+    </p:extLst>
   </p:cSld>
   <p:clrMapOvr>
     <a:masterClrMapping/>
@@ -880,8 +916,8 @@
         </p:nvSpPr>
         <p:spPr>
           <a:xfrm>
-            <a:off x="722313" y="4406900"/>
-            <a:ext cx="7772400" cy="1362075"/>
+            <a:off x="963084" y="4406902"/>
+            <a:ext cx="10363200" cy="1362075"/>
           </a:xfrm>
         </p:spPr>
         <p:txBody>
@@ -893,8 +929,8 @@
           </a:lstStyle>
           <a:p>
             <a:r>
-              <a:rPr lang="zh-TW" altLang="en-US" smtClean="0"/>
-              <a:t>按一下以編輯母片標題樣式</a:t>
+              <a:rPr lang="en-US" altLang="zh-TW" smtClean="0"/>
+              <a:t>Click to edit Master title style</a:t>
             </a:r>
             <a:endParaRPr lang="zh-TW" altLang="en-US"/>
           </a:p>
@@ -912,8 +948,8 @@
         </p:nvSpPr>
         <p:spPr>
           <a:xfrm>
-            <a:off x="722313" y="2906713"/>
-            <a:ext cx="7772400" cy="1500187"/>
+            <a:off x="963084" y="2906713"/>
+            <a:ext cx="10363200" cy="1500187"/>
           </a:xfrm>
         </p:spPr>
         <p:txBody>
@@ -1013,8 +1049,8 @@
           <a:p>
             <a:pPr lvl="0"/>
             <a:r>
-              <a:rPr lang="zh-TW" altLang="en-US" smtClean="0"/>
-              <a:t>按一下以編輯母片文字樣式</a:t>
+              <a:rPr lang="en-US" altLang="zh-TW" smtClean="0"/>
+              <a:t>Edit Master text styles</a:t>
             </a:r>
           </a:p>
         </p:txBody>
@@ -1036,7 +1072,7 @@
           <a:p>
             <a:fld id="{641968FE-19D5-4114-B53F-D43144FE8E97}" type="datetimeFigureOut">
               <a:rPr lang="zh-TW" altLang="en-US" smtClean="0"/>
-              <a:t>2018/2/5</a:t>
+              <a:t>2020/2/8</a:t>
             </a:fld>
             <a:endParaRPr lang="zh-TW" altLang="en-US"/>
           </a:p>
@@ -1085,6 +1121,11 @@
         </p:txBody>
       </p:sp>
     </p:spTree>
+    <p:extLst>
+      <p:ext uri="{BB962C8B-B14F-4D97-AF65-F5344CB8AC3E}">
+        <p14:creationId xmlns:p14="http://schemas.microsoft.com/office/powerpoint/2010/main" val="4150758172"/>
+      </p:ext>
+    </p:extLst>
   </p:cSld>
   <p:clrMapOvr>
     <a:masterClrMapping/>
@@ -1125,8 +1166,8 @@
           <a:lstStyle/>
           <a:p>
             <a:r>
-              <a:rPr lang="zh-TW" altLang="en-US" smtClean="0"/>
-              <a:t>按一下以編輯母片標題樣式</a:t>
+              <a:rPr lang="en-US" altLang="zh-TW" smtClean="0"/>
+              <a:t>Click to edit Master title style</a:t>
             </a:r>
             <a:endParaRPr lang="zh-TW" altLang="en-US"/>
           </a:p>
@@ -1144,8 +1185,8 @@
         </p:nvSpPr>
         <p:spPr>
           <a:xfrm>
-            <a:off x="457200" y="1600200"/>
-            <a:ext cx="4038600" cy="4525963"/>
+            <a:off x="609600" y="1600202"/>
+            <a:ext cx="5384800" cy="4525963"/>
           </a:xfrm>
         </p:spPr>
         <p:txBody>
@@ -1182,36 +1223,36 @@
           <a:p>
             <a:pPr lvl="0"/>
             <a:r>
-              <a:rPr lang="zh-TW" altLang="en-US" smtClean="0"/>
-              <a:t>按一下以編輯母片文字樣式</a:t>
+              <a:rPr lang="en-US" altLang="zh-TW" smtClean="0"/>
+              <a:t>Edit Master text styles</a:t>
             </a:r>
           </a:p>
           <a:p>
             <a:pPr lvl="1"/>
             <a:r>
-              <a:rPr lang="zh-TW" altLang="en-US" smtClean="0"/>
-              <a:t>第二層</a:t>
+              <a:rPr lang="en-US" altLang="zh-TW" smtClean="0"/>
+              <a:t>Second level</a:t>
             </a:r>
           </a:p>
           <a:p>
             <a:pPr lvl="2"/>
             <a:r>
-              <a:rPr lang="zh-TW" altLang="en-US" smtClean="0"/>
-              <a:t>第三層</a:t>
+              <a:rPr lang="en-US" altLang="zh-TW" smtClean="0"/>
+              <a:t>Third level</a:t>
             </a:r>
           </a:p>
           <a:p>
             <a:pPr lvl="3"/>
             <a:r>
-              <a:rPr lang="zh-TW" altLang="en-US" smtClean="0"/>
-              <a:t>第四層</a:t>
+              <a:rPr lang="en-US" altLang="zh-TW" smtClean="0"/>
+              <a:t>Fourth level</a:t>
             </a:r>
           </a:p>
           <a:p>
             <a:pPr lvl="4"/>
             <a:r>
-              <a:rPr lang="zh-TW" altLang="en-US" smtClean="0"/>
-              <a:t>第五層</a:t>
+              <a:rPr lang="en-US" altLang="zh-TW" smtClean="0"/>
+              <a:t>Fifth level</a:t>
             </a:r>
             <a:endParaRPr lang="zh-TW" altLang="en-US"/>
           </a:p>
@@ -1229,8 +1270,8 @@
         </p:nvSpPr>
         <p:spPr>
           <a:xfrm>
-            <a:off x="4648200" y="1600200"/>
-            <a:ext cx="4038600" cy="4525963"/>
+            <a:off x="6197600" y="1600202"/>
+            <a:ext cx="5384800" cy="4525963"/>
           </a:xfrm>
         </p:spPr>
         <p:txBody>
@@ -1267,36 +1308,36 @@
           <a:p>
             <a:pPr lvl="0"/>
             <a:r>
-              <a:rPr lang="zh-TW" altLang="en-US" smtClean="0"/>
-              <a:t>按一下以編輯母片文字樣式</a:t>
+              <a:rPr lang="en-US" altLang="zh-TW" smtClean="0"/>
+              <a:t>Edit Master text styles</a:t>
             </a:r>
           </a:p>
           <a:p>
             <a:pPr lvl="1"/>
             <a:r>
-              <a:rPr lang="zh-TW" altLang="en-US" smtClean="0"/>
-              <a:t>第二層</a:t>
+              <a:rPr lang="en-US" altLang="zh-TW" smtClean="0"/>
+              <a:t>Second level</a:t>
             </a:r>
           </a:p>
           <a:p>
             <a:pPr lvl="2"/>
             <a:r>
-              <a:rPr lang="zh-TW" altLang="en-US" smtClean="0"/>
-              <a:t>第三層</a:t>
+              <a:rPr lang="en-US" altLang="zh-TW" smtClean="0"/>
+              <a:t>Third level</a:t>
             </a:r>
           </a:p>
           <a:p>
             <a:pPr lvl="3"/>
             <a:r>
-              <a:rPr lang="zh-TW" altLang="en-US" smtClean="0"/>
-              <a:t>第四層</a:t>
+              <a:rPr lang="en-US" altLang="zh-TW" smtClean="0"/>
+              <a:t>Fourth level</a:t>
             </a:r>
           </a:p>
           <a:p>
             <a:pPr lvl="4"/>
             <a:r>
-              <a:rPr lang="zh-TW" altLang="en-US" smtClean="0"/>
-              <a:t>第五層</a:t>
+              <a:rPr lang="en-US" altLang="zh-TW" smtClean="0"/>
+              <a:t>Fifth level</a:t>
             </a:r>
             <a:endParaRPr lang="zh-TW" altLang="en-US"/>
           </a:p>
@@ -1319,7 +1360,7 @@
           <a:p>
             <a:fld id="{641968FE-19D5-4114-B53F-D43144FE8E97}" type="datetimeFigureOut">
               <a:rPr lang="zh-TW" altLang="en-US" smtClean="0"/>
-              <a:t>2018/2/5</a:t>
+              <a:t>2020/2/8</a:t>
             </a:fld>
             <a:endParaRPr lang="zh-TW" altLang="en-US"/>
           </a:p>
@@ -1368,6 +1409,11 @@
         </p:txBody>
       </p:sp>
     </p:spTree>
+    <p:extLst>
+      <p:ext uri="{BB962C8B-B14F-4D97-AF65-F5344CB8AC3E}">
+        <p14:creationId xmlns:p14="http://schemas.microsoft.com/office/powerpoint/2010/main" val="3416709580"/>
+      </p:ext>
+    </p:extLst>
   </p:cSld>
   <p:clrMapOvr>
     <a:masterClrMapping/>
@@ -1412,8 +1458,8 @@
           </a:lstStyle>
           <a:p>
             <a:r>
-              <a:rPr lang="zh-TW" altLang="en-US" smtClean="0"/>
-              <a:t>按一下以編輯母片標題樣式</a:t>
+              <a:rPr lang="en-US" altLang="zh-TW" smtClean="0"/>
+              <a:t>Click to edit Master title style</a:t>
             </a:r>
             <a:endParaRPr lang="zh-TW" altLang="en-US"/>
           </a:p>
@@ -1431,8 +1477,8 @@
         </p:nvSpPr>
         <p:spPr>
           <a:xfrm>
-            <a:off x="457200" y="1535113"/>
-            <a:ext cx="4040188" cy="639762"/>
+            <a:off x="609600" y="1535114"/>
+            <a:ext cx="5386917" cy="639763"/>
           </a:xfrm>
         </p:spPr>
         <p:txBody>
@@ -1478,8 +1524,8 @@
           <a:p>
             <a:pPr lvl="0"/>
             <a:r>
-              <a:rPr lang="zh-TW" altLang="en-US" smtClean="0"/>
-              <a:t>按一下以編輯母片文字樣式</a:t>
+              <a:rPr lang="en-US" altLang="zh-TW" smtClean="0"/>
+              <a:t>Edit Master text styles</a:t>
             </a:r>
           </a:p>
         </p:txBody>
@@ -1496,8 +1542,8 @@
         </p:nvSpPr>
         <p:spPr>
           <a:xfrm>
-            <a:off x="457200" y="2174875"/>
-            <a:ext cx="4040188" cy="3951288"/>
+            <a:off x="609600" y="2174875"/>
+            <a:ext cx="5386917" cy="3951288"/>
           </a:xfrm>
         </p:spPr>
         <p:txBody>
@@ -1534,36 +1580,36 @@
           <a:p>
             <a:pPr lvl="0"/>
             <a:r>
-              <a:rPr lang="zh-TW" altLang="en-US" smtClean="0"/>
-              <a:t>按一下以編輯母片文字樣式</a:t>
+              <a:rPr lang="en-US" altLang="zh-TW" smtClean="0"/>
+              <a:t>Edit Master text styles</a:t>
             </a:r>
           </a:p>
           <a:p>
             <a:pPr lvl="1"/>
             <a:r>
-              <a:rPr lang="zh-TW" altLang="en-US" smtClean="0"/>
-              <a:t>第二層</a:t>
+              <a:rPr lang="en-US" altLang="zh-TW" smtClean="0"/>
+              <a:t>Second level</a:t>
             </a:r>
           </a:p>
           <a:p>
             <a:pPr lvl="2"/>
             <a:r>
-              <a:rPr lang="zh-TW" altLang="en-US" smtClean="0"/>
-              <a:t>第三層</a:t>
+              <a:rPr lang="en-US" altLang="zh-TW" smtClean="0"/>
+              <a:t>Third level</a:t>
             </a:r>
           </a:p>
           <a:p>
             <a:pPr lvl="3"/>
             <a:r>
-              <a:rPr lang="zh-TW" altLang="en-US" smtClean="0"/>
-              <a:t>第四層</a:t>
+              <a:rPr lang="en-US" altLang="zh-TW" smtClean="0"/>
+              <a:t>Fourth level</a:t>
             </a:r>
           </a:p>
           <a:p>
             <a:pPr lvl="4"/>
             <a:r>
-              <a:rPr lang="zh-TW" altLang="en-US" smtClean="0"/>
-              <a:t>第五層</a:t>
+              <a:rPr lang="en-US" altLang="zh-TW" smtClean="0"/>
+              <a:t>Fifth level</a:t>
             </a:r>
             <a:endParaRPr lang="zh-TW" altLang="en-US"/>
           </a:p>
@@ -1581,8 +1627,8 @@
         </p:nvSpPr>
         <p:spPr>
           <a:xfrm>
-            <a:off x="4645025" y="1535113"/>
-            <a:ext cx="4041775" cy="639762"/>
+            <a:off x="6193370" y="1535114"/>
+            <a:ext cx="5389033" cy="639763"/>
           </a:xfrm>
         </p:spPr>
         <p:txBody>
@@ -1628,8 +1674,8 @@
           <a:p>
             <a:pPr lvl="0"/>
             <a:r>
-              <a:rPr lang="zh-TW" altLang="en-US" smtClean="0"/>
-              <a:t>按一下以編輯母片文字樣式</a:t>
+              <a:rPr lang="en-US" altLang="zh-TW" smtClean="0"/>
+              <a:t>Edit Master text styles</a:t>
             </a:r>
           </a:p>
         </p:txBody>
@@ -1646,8 +1692,8 @@
         </p:nvSpPr>
         <p:spPr>
           <a:xfrm>
-            <a:off x="4645025" y="2174875"/>
-            <a:ext cx="4041775" cy="3951288"/>
+            <a:off x="6193370" y="2174875"/>
+            <a:ext cx="5389033" cy="3951288"/>
           </a:xfrm>
         </p:spPr>
         <p:txBody>
@@ -1684,36 +1730,36 @@
           <a:p>
             <a:pPr lvl="0"/>
             <a:r>
-              <a:rPr lang="zh-TW" altLang="en-US" smtClean="0"/>
-              <a:t>按一下以編輯母片文字樣式</a:t>
+              <a:rPr lang="en-US" altLang="zh-TW" smtClean="0"/>
+              <a:t>Edit Master text styles</a:t>
             </a:r>
           </a:p>
           <a:p>
             <a:pPr lvl="1"/>
             <a:r>
-              <a:rPr lang="zh-TW" altLang="en-US" smtClean="0"/>
-              <a:t>第二層</a:t>
+              <a:rPr lang="en-US" altLang="zh-TW" smtClean="0"/>
+              <a:t>Second level</a:t>
             </a:r>
           </a:p>
           <a:p>
             <a:pPr lvl="2"/>
             <a:r>
-              <a:rPr lang="zh-TW" altLang="en-US" smtClean="0"/>
-              <a:t>第三層</a:t>
+              <a:rPr lang="en-US" altLang="zh-TW" smtClean="0"/>
+              <a:t>Third level</a:t>
             </a:r>
           </a:p>
           <a:p>
             <a:pPr lvl="3"/>
             <a:r>
-              <a:rPr lang="zh-TW" altLang="en-US" smtClean="0"/>
-              <a:t>第四層</a:t>
+              <a:rPr lang="en-US" altLang="zh-TW" smtClean="0"/>
+              <a:t>Fourth level</a:t>
             </a:r>
           </a:p>
           <a:p>
             <a:pPr lvl="4"/>
             <a:r>
-              <a:rPr lang="zh-TW" altLang="en-US" smtClean="0"/>
-              <a:t>第五層</a:t>
+              <a:rPr lang="en-US" altLang="zh-TW" smtClean="0"/>
+              <a:t>Fifth level</a:t>
             </a:r>
             <a:endParaRPr lang="zh-TW" altLang="en-US"/>
           </a:p>
@@ -1736,7 +1782,7 @@
           <a:p>
             <a:fld id="{641968FE-19D5-4114-B53F-D43144FE8E97}" type="datetimeFigureOut">
               <a:rPr lang="zh-TW" altLang="en-US" smtClean="0"/>
-              <a:t>2018/2/5</a:t>
+              <a:t>2020/2/8</a:t>
             </a:fld>
             <a:endParaRPr lang="zh-TW" altLang="en-US"/>
           </a:p>
@@ -1785,6 +1831,11 @@
         </p:txBody>
       </p:sp>
     </p:spTree>
+    <p:extLst>
+      <p:ext uri="{BB962C8B-B14F-4D97-AF65-F5344CB8AC3E}">
+        <p14:creationId xmlns:p14="http://schemas.microsoft.com/office/powerpoint/2010/main" val="370722444"/>
+      </p:ext>
+    </p:extLst>
   </p:cSld>
   <p:clrMapOvr>
     <a:masterClrMapping/>
@@ -1825,8 +1876,8 @@
           <a:lstStyle/>
           <a:p>
             <a:r>
-              <a:rPr lang="zh-TW" altLang="en-US" smtClean="0"/>
-              <a:t>按一下以編輯母片標題樣式</a:t>
+              <a:rPr lang="en-US" altLang="zh-TW" smtClean="0"/>
+              <a:t>Click to edit Master title style</a:t>
             </a:r>
             <a:endParaRPr lang="zh-TW" altLang="en-US"/>
           </a:p>
@@ -1849,7 +1900,7 @@
           <a:p>
             <a:fld id="{641968FE-19D5-4114-B53F-D43144FE8E97}" type="datetimeFigureOut">
               <a:rPr lang="zh-TW" altLang="en-US" smtClean="0"/>
-              <a:t>2018/2/5</a:t>
+              <a:t>2020/2/8</a:t>
             </a:fld>
             <a:endParaRPr lang="zh-TW" altLang="en-US"/>
           </a:p>
@@ -1898,6 +1949,11 @@
         </p:txBody>
       </p:sp>
     </p:spTree>
+    <p:extLst>
+      <p:ext uri="{BB962C8B-B14F-4D97-AF65-F5344CB8AC3E}">
+        <p14:creationId xmlns:p14="http://schemas.microsoft.com/office/powerpoint/2010/main" val="2372727596"/>
+      </p:ext>
+    </p:extLst>
   </p:cSld>
   <p:clrMapOvr>
     <a:masterClrMapping/>
@@ -1939,7 +1995,7 @@
           <a:p>
             <a:fld id="{641968FE-19D5-4114-B53F-D43144FE8E97}" type="datetimeFigureOut">
               <a:rPr lang="zh-TW" altLang="en-US" smtClean="0"/>
-              <a:t>2018/2/5</a:t>
+              <a:t>2020/2/8</a:t>
             </a:fld>
             <a:endParaRPr lang="zh-TW" altLang="en-US"/>
           </a:p>
@@ -1988,6 +2044,11 @@
         </p:txBody>
       </p:sp>
     </p:spTree>
+    <p:extLst>
+      <p:ext uri="{BB962C8B-B14F-4D97-AF65-F5344CB8AC3E}">
+        <p14:creationId xmlns:p14="http://schemas.microsoft.com/office/powerpoint/2010/main" val="1064093901"/>
+      </p:ext>
+    </p:extLst>
   </p:cSld>
   <p:clrMapOvr>
     <a:masterClrMapping/>
@@ -2024,8 +2085,8 @@
         </p:nvSpPr>
         <p:spPr>
           <a:xfrm>
-            <a:off x="457200" y="273050"/>
-            <a:ext cx="3008313" cy="1162050"/>
+            <a:off x="609603" y="273050"/>
+            <a:ext cx="4011084" cy="1162051"/>
           </a:xfrm>
         </p:spPr>
         <p:txBody>
@@ -2037,8 +2098,8 @@
           </a:lstStyle>
           <a:p>
             <a:r>
-              <a:rPr lang="zh-TW" altLang="en-US" smtClean="0"/>
-              <a:t>按一下以編輯母片標題樣式</a:t>
+              <a:rPr lang="en-US" altLang="zh-TW" smtClean="0"/>
+              <a:t>Click to edit Master title style</a:t>
             </a:r>
             <a:endParaRPr lang="zh-TW" altLang="en-US"/>
           </a:p>
@@ -2056,8 +2117,8 @@
         </p:nvSpPr>
         <p:spPr>
           <a:xfrm>
-            <a:off x="3575050" y="273050"/>
-            <a:ext cx="5111750" cy="5853113"/>
+            <a:off x="4766733" y="273053"/>
+            <a:ext cx="6815667" cy="5853113"/>
           </a:xfrm>
         </p:spPr>
         <p:txBody>
@@ -2094,36 +2155,36 @@
           <a:p>
             <a:pPr lvl="0"/>
             <a:r>
-              <a:rPr lang="zh-TW" altLang="en-US" smtClean="0"/>
-              <a:t>按一下以編輯母片文字樣式</a:t>
+              <a:rPr lang="en-US" altLang="zh-TW" smtClean="0"/>
+              <a:t>Edit Master text styles</a:t>
             </a:r>
           </a:p>
           <a:p>
             <a:pPr lvl="1"/>
             <a:r>
-              <a:rPr lang="zh-TW" altLang="en-US" smtClean="0"/>
-              <a:t>第二層</a:t>
+              <a:rPr lang="en-US" altLang="zh-TW" smtClean="0"/>
+              <a:t>Second level</a:t>
             </a:r>
           </a:p>
           <a:p>
             <a:pPr lvl="2"/>
             <a:r>
-              <a:rPr lang="zh-TW" altLang="en-US" smtClean="0"/>
-              <a:t>第三層</a:t>
+              <a:rPr lang="en-US" altLang="zh-TW" smtClean="0"/>
+              <a:t>Third level</a:t>
             </a:r>
           </a:p>
           <a:p>
             <a:pPr lvl="3"/>
             <a:r>
-              <a:rPr lang="zh-TW" altLang="en-US" smtClean="0"/>
-              <a:t>第四層</a:t>
+              <a:rPr lang="en-US" altLang="zh-TW" smtClean="0"/>
+              <a:t>Fourth level</a:t>
             </a:r>
           </a:p>
           <a:p>
             <a:pPr lvl="4"/>
             <a:r>
-              <a:rPr lang="zh-TW" altLang="en-US" smtClean="0"/>
-              <a:t>第五層</a:t>
+              <a:rPr lang="en-US" altLang="zh-TW" smtClean="0"/>
+              <a:t>Fifth level</a:t>
             </a:r>
             <a:endParaRPr lang="zh-TW" altLang="en-US"/>
           </a:p>
@@ -2141,8 +2202,8 @@
         </p:nvSpPr>
         <p:spPr>
           <a:xfrm>
-            <a:off x="457200" y="1435100"/>
-            <a:ext cx="3008313" cy="4691063"/>
+            <a:off x="609603" y="1435103"/>
+            <a:ext cx="4011084" cy="4691063"/>
           </a:xfrm>
         </p:spPr>
         <p:txBody>
@@ -2188,8 +2249,8 @@
           <a:p>
             <a:pPr lvl="0"/>
             <a:r>
-              <a:rPr lang="zh-TW" altLang="en-US" smtClean="0"/>
-              <a:t>按一下以編輯母片文字樣式</a:t>
+              <a:rPr lang="en-US" altLang="zh-TW" smtClean="0"/>
+              <a:t>Edit Master text styles</a:t>
             </a:r>
           </a:p>
         </p:txBody>
@@ -2211,7 +2272,7 @@
           <a:p>
             <a:fld id="{641968FE-19D5-4114-B53F-D43144FE8E97}" type="datetimeFigureOut">
               <a:rPr lang="zh-TW" altLang="en-US" smtClean="0"/>
-              <a:t>2018/2/5</a:t>
+              <a:t>2020/2/8</a:t>
             </a:fld>
             <a:endParaRPr lang="zh-TW" altLang="en-US"/>
           </a:p>
@@ -2260,6 +2321,11 @@
         </p:txBody>
       </p:sp>
     </p:spTree>
+    <p:extLst>
+      <p:ext uri="{BB962C8B-B14F-4D97-AF65-F5344CB8AC3E}">
+        <p14:creationId xmlns:p14="http://schemas.microsoft.com/office/powerpoint/2010/main" val="3537515313"/>
+      </p:ext>
+    </p:extLst>
   </p:cSld>
   <p:clrMapOvr>
     <a:masterClrMapping/>
@@ -2296,8 +2362,8 @@
         </p:nvSpPr>
         <p:spPr>
           <a:xfrm>
-            <a:off x="1792288" y="4800600"/>
-            <a:ext cx="5486400" cy="566738"/>
+            <a:off x="2389717" y="4800601"/>
+            <a:ext cx="7315200" cy="566739"/>
           </a:xfrm>
         </p:spPr>
         <p:txBody>
@@ -2309,8 +2375,8 @@
           </a:lstStyle>
           <a:p>
             <a:r>
-              <a:rPr lang="zh-TW" altLang="en-US" smtClean="0"/>
-              <a:t>按一下以編輯母片標題樣式</a:t>
+              <a:rPr lang="en-US" altLang="zh-TW" smtClean="0"/>
+              <a:t>Click to edit Master title style</a:t>
             </a:r>
             <a:endParaRPr lang="zh-TW" altLang="en-US"/>
           </a:p>
@@ -2328,8 +2394,8 @@
         </p:nvSpPr>
         <p:spPr>
           <a:xfrm>
-            <a:off x="1792288" y="612775"/>
-            <a:ext cx="5486400" cy="4114800"/>
+            <a:off x="2389717" y="612775"/>
+            <a:ext cx="7315200" cy="4114800"/>
           </a:xfrm>
         </p:spPr>
         <p:txBody>
@@ -2373,6 +2439,10 @@
             </a:lvl9pPr>
           </a:lstStyle>
           <a:p>
+            <a:r>
+              <a:rPr lang="en-US" altLang="zh-TW" smtClean="0"/>
+              <a:t>Click icon to add picture</a:t>
+            </a:r>
             <a:endParaRPr lang="zh-TW" altLang="en-US"/>
           </a:p>
         </p:txBody>
@@ -2389,8 +2459,8 @@
         </p:nvSpPr>
         <p:spPr>
           <a:xfrm>
-            <a:off x="1792288" y="5367338"/>
-            <a:ext cx="5486400" cy="804862"/>
+            <a:off x="2389717" y="5367339"/>
+            <a:ext cx="7315200" cy="804863"/>
           </a:xfrm>
         </p:spPr>
         <p:txBody>
@@ -2436,8 +2506,8 @@
           <a:p>
             <a:pPr lvl="0"/>
             <a:r>
-              <a:rPr lang="zh-TW" altLang="en-US" smtClean="0"/>
-              <a:t>按一下以編輯母片文字樣式</a:t>
+              <a:rPr lang="en-US" altLang="zh-TW" smtClean="0"/>
+              <a:t>Edit Master text styles</a:t>
             </a:r>
           </a:p>
         </p:txBody>
@@ -2459,7 +2529,7 @@
           <a:p>
             <a:fld id="{641968FE-19D5-4114-B53F-D43144FE8E97}" type="datetimeFigureOut">
               <a:rPr lang="zh-TW" altLang="en-US" smtClean="0"/>
-              <a:t>2018/2/5</a:t>
+              <a:t>2020/2/8</a:t>
             </a:fld>
             <a:endParaRPr lang="zh-TW" altLang="en-US"/>
           </a:p>
@@ -2508,6 +2578,11 @@
         </p:txBody>
       </p:sp>
     </p:spTree>
+    <p:extLst>
+      <p:ext uri="{BB962C8B-B14F-4D97-AF65-F5344CB8AC3E}">
+        <p14:creationId xmlns:p14="http://schemas.microsoft.com/office/powerpoint/2010/main" val="2405677558"/>
+      </p:ext>
+    </p:extLst>
   </p:cSld>
   <p:clrMapOvr>
     <a:masterClrMapping/>
@@ -2519,9 +2594,14 @@
 <p:sldMaster xmlns:a="http://schemas.openxmlformats.org/drawingml/2006/main" xmlns:r="http://schemas.openxmlformats.org/officeDocument/2006/relationships" xmlns:p="http://schemas.openxmlformats.org/presentationml/2006/main">
   <p:cSld>
     <p:bg>
-      <p:bgRef idx="1001">
-        <a:schemeClr val="bg1"/>
-      </p:bgRef>
+      <p:bgPr>
+        <a:blipFill dpi="0" rotWithShape="1">
+          <a:blip r:embed="rId13"/>
+          <a:srcRect/>
+          <a:tile tx="0" ty="0" sx="100000" sy="100000" flip="none" algn="tl"/>
+        </a:blipFill>
+        <a:effectLst/>
+      </p:bgPr>
     </p:bg>
     <p:spTree>
       <p:nvGrpSpPr>
@@ -2549,8 +2629,8 @@
         </p:nvSpPr>
         <p:spPr>
           <a:xfrm>
-            <a:off x="457200" y="274638"/>
-            <a:ext cx="8229600" cy="1143000"/>
+            <a:off x="609600" y="274639"/>
+            <a:ext cx="10972800" cy="1143000"/>
           </a:xfrm>
           <a:prstGeom prst="rect">
             <a:avLst/>
@@ -2582,8 +2662,8 @@
         </p:nvSpPr>
         <p:spPr>
           <a:xfrm>
-            <a:off x="457200" y="1600200"/>
-            <a:ext cx="8229600" cy="4525963"/>
+            <a:off x="609600" y="1600202"/>
+            <a:ext cx="10972800" cy="4525963"/>
           </a:xfrm>
           <a:prstGeom prst="rect">
             <a:avLst/>
@@ -2644,8 +2724,8 @@
         </p:nvSpPr>
         <p:spPr>
           <a:xfrm>
-            <a:off x="457200" y="6356350"/>
-            <a:ext cx="2133600" cy="365125"/>
+            <a:off x="609600" y="6356352"/>
+            <a:ext cx="2844800" cy="365125"/>
           </a:xfrm>
           <a:prstGeom prst="rect">
             <a:avLst/>
@@ -2667,7 +2747,7 @@
           <a:p>
             <a:fld id="{641968FE-19D5-4114-B53F-D43144FE8E97}" type="datetimeFigureOut">
               <a:rPr lang="zh-TW" altLang="en-US" smtClean="0"/>
-              <a:t>2018/2/5</a:t>
+              <a:t>2020/2/8</a:t>
             </a:fld>
             <a:endParaRPr lang="zh-TW" altLang="en-US"/>
           </a:p>
@@ -2685,8 +2765,8 @@
         </p:nvSpPr>
         <p:spPr>
           <a:xfrm>
-            <a:off x="3124200" y="6356350"/>
-            <a:ext cx="2895600" cy="365125"/>
+            <a:off x="4165600" y="6356352"/>
+            <a:ext cx="3860800" cy="365125"/>
           </a:xfrm>
           <a:prstGeom prst="rect">
             <a:avLst/>
@@ -2722,8 +2802,8 @@
         </p:nvSpPr>
         <p:spPr>
           <a:xfrm>
-            <a:off x="6553200" y="6356350"/>
-            <a:ext cx="2133600" cy="365125"/>
+            <a:off x="8737600" y="6356352"/>
+            <a:ext cx="2844800" cy="365125"/>
           </a:xfrm>
           <a:prstGeom prst="rect">
             <a:avLst/>
@@ -2752,20 +2832,25 @@
         </p:txBody>
       </p:sp>
     </p:spTree>
+    <p:extLst>
+      <p:ext uri="{BB962C8B-B14F-4D97-AF65-F5344CB8AC3E}">
+        <p14:creationId xmlns:p14="http://schemas.microsoft.com/office/powerpoint/2010/main" val="4286249240"/>
+      </p:ext>
+    </p:extLst>
   </p:cSld>
   <p:clrMap bg1="lt1" tx1="dk1" bg2="lt2" tx2="dk2" accent1="accent1" accent2="accent2" accent3="accent3" accent4="accent4" accent5="accent5" accent6="accent6" hlink="hlink" folHlink="folHlink"/>
   <p:sldLayoutIdLst>
-    <p:sldLayoutId id="2147483649" r:id="rId1"/>
-    <p:sldLayoutId id="2147483650" r:id="rId2"/>
-    <p:sldLayoutId id="2147483651" r:id="rId3"/>
-    <p:sldLayoutId id="2147483652" r:id="rId4"/>
-    <p:sldLayoutId id="2147483653" r:id="rId5"/>
-    <p:sldLayoutId id="2147483654" r:id="rId6"/>
-    <p:sldLayoutId id="2147483655" r:id="rId7"/>
-    <p:sldLayoutId id="2147483656" r:id="rId8"/>
-    <p:sldLayoutId id="2147483657" r:id="rId9"/>
-    <p:sldLayoutId id="2147483658" r:id="rId10"/>
-    <p:sldLayoutId id="2147483659" r:id="rId11"/>
+    <p:sldLayoutId id="2147483661" r:id="rId1"/>
+    <p:sldLayoutId id="2147483662" r:id="rId2"/>
+    <p:sldLayoutId id="2147483663" r:id="rId3"/>
+    <p:sldLayoutId id="2147483664" r:id="rId4"/>
+    <p:sldLayoutId id="2147483665" r:id="rId5"/>
+    <p:sldLayoutId id="2147483666" r:id="rId6"/>
+    <p:sldLayoutId id="2147483667" r:id="rId7"/>
+    <p:sldLayoutId id="2147483668" r:id="rId8"/>
+    <p:sldLayoutId id="2147483669" r:id="rId9"/>
+    <p:sldLayoutId id="2147483670" r:id="rId10"/>
+    <p:sldLayoutId id="2147483671" r:id="rId11"/>
   </p:sldLayoutIdLst>
   <p:txStyles>
     <p:titleStyle>
@@ -3057,7 +3142,35 @@
                 <a:latin typeface="微軟正黑體" pitchFamily="34" charset="-120"/>
                 <a:ea typeface="微軟正黑體" pitchFamily="34" charset="-120"/>
               </a:rPr>
-              <a:t>我需要有你在我生命中</a:t>
+              <a:t>我需要</a:t>
+            </a:r>
+            <a:r>
+              <a:rPr lang="zh-TW" altLang="en-US" b="1" dirty="0" smtClean="0">
+                <a:latin typeface="微軟正黑體" pitchFamily="34" charset="-120"/>
+                <a:ea typeface="微軟正黑體" pitchFamily="34" charset="-120"/>
+              </a:rPr>
+              <a:t>有</a:t>
+            </a:r>
+            <a:r>
+              <a:rPr lang="zh-CN" altLang="en-US" b="1" dirty="0" smtClean="0">
+                <a:latin typeface="微軟正黑體" pitchFamily="34" charset="-120"/>
+                <a:ea typeface="微軟正黑體" pitchFamily="34" charset="-120"/>
+              </a:rPr>
+              <a:t>袮</a:t>
+            </a:r>
+            <a:r>
+              <a:rPr lang="zh-TW" altLang="en-US" b="1" dirty="0" smtClean="0">
+                <a:latin typeface="微軟正黑體" pitchFamily="34" charset="-120"/>
+                <a:ea typeface="微軟正黑體" pitchFamily="34" charset="-120"/>
+              </a:rPr>
+              <a:t>在</a:t>
+            </a:r>
+            <a:r>
+              <a:rPr lang="zh-TW" altLang="en-US" b="1" dirty="0">
+                <a:latin typeface="微軟正黑體" pitchFamily="34" charset="-120"/>
+                <a:ea typeface="微軟正黑體" pitchFamily="34" charset="-120"/>
+              </a:rPr>
+              <a:t>我生命中</a:t>
             </a:r>
           </a:p>
         </p:txBody>
@@ -3074,7 +3187,7 @@
         </p:nvSpPr>
         <p:spPr>
           <a:xfrm>
-            <a:off x="0" y="1600200"/>
+            <a:off x="1524000" y="1600201"/>
             <a:ext cx="9144000" cy="4525963"/>
           </a:xfrm>
         </p:spPr>
@@ -3092,16 +3205,37 @@
                 <a:latin typeface="微軟正黑體" pitchFamily="34" charset="-120"/>
                 <a:ea typeface="微軟正黑體" pitchFamily="34" charset="-120"/>
               </a:rPr>
-              <a:t>哦主 求你</a:t>
+              <a:t>哦主 </a:t>
             </a:r>
             <a:r>
               <a:rPr lang="zh-TW" altLang="en-US" sz="5400" b="1" dirty="0" smtClean="0">
                 <a:latin typeface="微軟正黑體" pitchFamily="34" charset="-120"/>
                 <a:ea typeface="微軟正黑體" pitchFamily="34" charset="-120"/>
               </a:rPr>
-              <a:t>保守</a:t>
-            </a:r>
-            <a:endParaRPr lang="en-US" altLang="zh-TW" sz="5400" b="1" dirty="0" smtClean="0">
+              <a:t>求</a:t>
+            </a:r>
+            <a:r>
+              <a:rPr lang="zh-CN" altLang="en-US" sz="5400" b="1" dirty="0">
+                <a:latin typeface="微軟正黑體" pitchFamily="34" charset="-120"/>
+                <a:ea typeface="微軟正黑體" pitchFamily="34" charset="-120"/>
+              </a:rPr>
+              <a:t>袮</a:t>
+            </a:r>
+            <a:r>
+              <a:rPr lang="zh-TW" altLang="en-US" sz="5400" b="1" dirty="0" smtClean="0">
+                <a:latin typeface="微軟正黑體" pitchFamily="34" charset="-120"/>
+                <a:ea typeface="微軟正黑體" pitchFamily="34" charset="-120"/>
+              </a:rPr>
+              <a:t>保</a:t>
+            </a:r>
+            <a:r>
+              <a:rPr lang="zh-TW" altLang="en-US" sz="5400" b="1" dirty="0">
+                <a:latin typeface="微軟正黑體" pitchFamily="34" charset="-120"/>
+                <a:ea typeface="微軟正黑體" pitchFamily="34" charset="-120"/>
+              </a:rPr>
+              <a:t>守</a:t>
+            </a:r>
+            <a:endParaRPr lang="en-US" altLang="zh-TW" sz="5400" b="1" dirty="0">
               <a:latin typeface="微軟正黑體" pitchFamily="34" charset="-120"/>
               <a:ea typeface="微軟正黑體" pitchFamily="34" charset="-120"/>
             </a:endParaRPr>
@@ -3111,7 +3245,7 @@
               <a:buNone/>
             </a:pPr>
             <a:r>
-              <a:rPr lang="zh-TW" altLang="en-US" sz="5400" b="1" dirty="0" smtClean="0">
+              <a:rPr lang="zh-TW" altLang="en-US" sz="5400" b="1" dirty="0">
                 <a:latin typeface="微軟正黑體" pitchFamily="34" charset="-120"/>
                 <a:ea typeface="微軟正黑體" pitchFamily="34" charset="-120"/>
               </a:rPr>
@@ -3124,7 +3258,7 @@
               </a:rPr>
               <a:t>的心我的意念 </a:t>
             </a:r>
-            <a:endParaRPr lang="en-US" altLang="zh-TW" sz="5400" b="1" dirty="0" smtClean="0">
+            <a:endParaRPr lang="en-US" altLang="zh-TW" sz="5400" b="1" dirty="0">
               <a:latin typeface="微軟正黑體" pitchFamily="34" charset="-120"/>
               <a:ea typeface="微軟正黑體" pitchFamily="34" charset="-120"/>
             </a:endParaRPr>
@@ -3134,20 +3268,48 @@
               <a:buNone/>
             </a:pPr>
             <a:r>
+              <a:rPr lang="zh-TW" altLang="en-US" sz="5400" b="1" dirty="0">
+                <a:latin typeface="微軟正黑體" pitchFamily="34" charset="-120"/>
+                <a:ea typeface="微軟正黑體" pitchFamily="34" charset="-120"/>
+              </a:rPr>
+              <a:t>使</a:t>
+            </a:r>
+            <a:r>
+              <a:rPr lang="zh-TW" altLang="en-US" sz="5400" b="1" dirty="0">
+                <a:latin typeface="微軟正黑體" pitchFamily="34" charset="-120"/>
+                <a:ea typeface="微軟正黑體" pitchFamily="34" charset="-120"/>
+              </a:rPr>
+              <a:t>我能夠遵</a:t>
+            </a:r>
+            <a:r>
               <a:rPr lang="zh-TW" altLang="en-US" sz="5400" b="1" dirty="0" smtClean="0">
                 <a:latin typeface="微軟正黑體" pitchFamily="34" charset="-120"/>
                 <a:ea typeface="微軟正黑體" pitchFamily="34" charset="-120"/>
               </a:rPr>
-              <a:t>使</a:t>
+              <a:t>行</a:t>
+            </a:r>
+            <a:r>
+              <a:rPr lang="zh-CN" altLang="en-US" sz="5400" b="1" dirty="0">
+                <a:latin typeface="微軟正黑體" pitchFamily="34" charset="-120"/>
+                <a:ea typeface="微軟正黑體" pitchFamily="34" charset="-120"/>
+              </a:rPr>
+              <a:t>袮</a:t>
+            </a:r>
+            <a:r>
+              <a:rPr lang="zh-TW" altLang="en-US" sz="5400" b="1" dirty="0" smtClean="0">
+                <a:latin typeface="微軟正黑體" pitchFamily="34" charset="-120"/>
+                <a:ea typeface="微軟正黑體" pitchFamily="34" charset="-120"/>
+              </a:rPr>
+              <a:t>旨</a:t>
             </a:r>
             <a:r>
               <a:rPr lang="zh-TW" altLang="en-US" sz="5400" b="1" dirty="0">
                 <a:latin typeface="微軟正黑體" pitchFamily="34" charset="-120"/>
                 <a:ea typeface="微軟正黑體" pitchFamily="34" charset="-120"/>
               </a:rPr>
-              <a:t>我能夠遵行你旨意 </a:t>
-            </a:r>
-            <a:endParaRPr lang="en-US" altLang="zh-TW" sz="5400" b="1" dirty="0" smtClean="0">
+              <a:t>意 </a:t>
+            </a:r>
+            <a:endParaRPr lang="en-US" altLang="zh-TW" sz="5400" b="1" dirty="0">
               <a:latin typeface="微軟正黑體" pitchFamily="34" charset="-120"/>
               <a:ea typeface="微軟正黑體" pitchFamily="34" charset="-120"/>
             </a:endParaRPr>
@@ -3157,18 +3319,46 @@
               <a:buNone/>
             </a:pPr>
             <a:r>
+              <a:rPr lang="zh-TW" altLang="en-US" sz="5400" b="1" dirty="0">
+                <a:latin typeface="微軟正黑體" pitchFamily="34" charset="-120"/>
+                <a:ea typeface="微軟正黑體" pitchFamily="34" charset="-120"/>
+              </a:rPr>
+              <a:t>我</a:t>
+            </a:r>
+            <a:r>
+              <a:rPr lang="zh-TW" altLang="en-US" sz="5400" b="1" dirty="0">
+                <a:latin typeface="微軟正黑體" pitchFamily="34" charset="-120"/>
+                <a:ea typeface="微軟正黑體" pitchFamily="34" charset="-120"/>
+              </a:rPr>
+              <a:t>願</a:t>
+            </a:r>
+            <a:r>
               <a:rPr lang="zh-TW" altLang="en-US" sz="5400" b="1" dirty="0" smtClean="0">
                 <a:latin typeface="微軟正黑體" pitchFamily="34" charset="-120"/>
                 <a:ea typeface="微軟正黑體" pitchFamily="34" charset="-120"/>
               </a:rPr>
-              <a:t>我</a:t>
+              <a:t>將</a:t>
+            </a:r>
+            <a:r>
+              <a:rPr lang="zh-CN" altLang="en-US" sz="5400" b="1" dirty="0">
+                <a:latin typeface="微軟正黑體" pitchFamily="34" charset="-120"/>
+                <a:ea typeface="微軟正黑體" pitchFamily="34" charset="-120"/>
+              </a:rPr>
+              <a:t>袮</a:t>
+            </a:r>
+            <a:r>
+              <a:rPr lang="zh-TW" altLang="en-US" sz="5400" b="1" dirty="0" smtClean="0">
+                <a:latin typeface="微軟正黑體" pitchFamily="34" charset="-120"/>
+                <a:ea typeface="微軟正黑體" pitchFamily="34" charset="-120"/>
+              </a:rPr>
+              <a:t>話</a:t>
             </a:r>
             <a:r>
               <a:rPr lang="zh-TW" altLang="en-US" sz="5400" b="1" dirty="0">
                 <a:latin typeface="微軟正黑體" pitchFamily="34" charset="-120"/>
                 <a:ea typeface="微軟正黑體" pitchFamily="34" charset="-120"/>
               </a:rPr>
-              <a:t>願將你話語深藏在我心</a:t>
+              <a:t>語深藏在我心</a:t>
             </a:r>
           </a:p>
           <a:p>
@@ -3230,7 +3420,35 @@
                 <a:latin typeface="微軟正黑體" pitchFamily="34" charset="-120"/>
                 <a:ea typeface="微軟正黑體" pitchFamily="34" charset="-120"/>
               </a:rPr>
-              <a:t>我需要有你在我生命中</a:t>
+              <a:t>我需要</a:t>
+            </a:r>
+            <a:r>
+              <a:rPr lang="zh-TW" altLang="en-US" b="1" dirty="0" smtClean="0">
+                <a:latin typeface="微軟正黑體" pitchFamily="34" charset="-120"/>
+                <a:ea typeface="微軟正黑體" pitchFamily="34" charset="-120"/>
+              </a:rPr>
+              <a:t>有</a:t>
+            </a:r>
+            <a:r>
+              <a:rPr lang="zh-CN" altLang="en-US" b="1" dirty="0">
+                <a:latin typeface="微軟正黑體" pitchFamily="34" charset="-120"/>
+                <a:ea typeface="微軟正黑體" pitchFamily="34" charset="-120"/>
+              </a:rPr>
+              <a:t>袮</a:t>
+            </a:r>
+            <a:r>
+              <a:rPr lang="zh-TW" altLang="en-US" b="1" dirty="0" smtClean="0">
+                <a:latin typeface="微軟正黑體" pitchFamily="34" charset="-120"/>
+                <a:ea typeface="微軟正黑體" pitchFamily="34" charset="-120"/>
+              </a:rPr>
+              <a:t>在</a:t>
+            </a:r>
+            <a:r>
+              <a:rPr lang="zh-TW" altLang="en-US" b="1" dirty="0">
+                <a:latin typeface="微軟正黑體" pitchFamily="34" charset="-120"/>
+                <a:ea typeface="微軟正黑體" pitchFamily="34" charset="-120"/>
+              </a:rPr>
+              <a:t>我生命中</a:t>
             </a:r>
           </a:p>
         </p:txBody>
@@ -3247,7 +3465,7 @@
         </p:nvSpPr>
         <p:spPr>
           <a:xfrm>
-            <a:off x="0" y="1600200"/>
+            <a:off x="1524000" y="1600201"/>
             <a:ext cx="9144000" cy="4525963"/>
           </a:xfrm>
         </p:spPr>
@@ -3265,7 +3483,35 @@
                 <a:latin typeface="微軟正黑體" pitchFamily="34" charset="-120"/>
                 <a:ea typeface="微軟正黑體" pitchFamily="34" charset="-120"/>
               </a:rPr>
-              <a:t>哦主 求你堅固</a:t>
+              <a:t>哦主 </a:t>
+            </a:r>
+            <a:r>
+              <a:rPr lang="zh-TW" altLang="en-US" sz="5400" b="1" dirty="0" smtClean="0">
+                <a:latin typeface="微軟正黑體" pitchFamily="34" charset="-120"/>
+                <a:ea typeface="微軟正黑體" pitchFamily="34" charset="-120"/>
+              </a:rPr>
+              <a:t>求</a:t>
+            </a:r>
+            <a:r>
+              <a:rPr lang="zh-CN" altLang="en-US" sz="5400" b="1" dirty="0">
+                <a:latin typeface="微軟正黑體" pitchFamily="34" charset="-120"/>
+                <a:ea typeface="微軟正黑體" pitchFamily="34" charset="-120"/>
+              </a:rPr>
+              <a:t>袮</a:t>
+            </a:r>
+            <a:r>
+              <a:rPr lang="zh-TW" altLang="en-US" sz="5400" b="1" dirty="0" smtClean="0">
+                <a:latin typeface="微軟正黑體" pitchFamily="34" charset="-120"/>
+                <a:ea typeface="微軟正黑體" pitchFamily="34" charset="-120"/>
+              </a:rPr>
+              <a:t>堅</a:t>
+            </a:r>
+            <a:r>
+              <a:rPr lang="zh-TW" altLang="en-US" sz="5400" b="1" dirty="0">
+                <a:latin typeface="微軟正黑體" pitchFamily="34" charset="-120"/>
+                <a:ea typeface="微軟正黑體" pitchFamily="34" charset="-120"/>
+              </a:rPr>
+              <a:t>固</a:t>
             </a:r>
             <a:endParaRPr lang="en-US" altLang="zh-TW" sz="5400" b="1" dirty="0">
               <a:latin typeface="微軟正黑體" pitchFamily="34" charset="-120"/>
@@ -3321,11 +3567,32 @@
               <a:buNone/>
             </a:pPr>
             <a:r>
+              <a:rPr lang="zh-TW" altLang="en-US" sz="5400" b="1" dirty="0" smtClean="0">
+                <a:latin typeface="微軟正黑體" pitchFamily="34" charset="-120"/>
+                <a:ea typeface="微軟正黑體" pitchFamily="34" charset="-120"/>
+              </a:rPr>
+              <a:t>求</a:t>
+            </a:r>
+            <a:r>
+              <a:rPr lang="zh-CN" altLang="en-US" sz="5400" b="1" dirty="0">
+                <a:latin typeface="微軟正黑體" pitchFamily="34" charset="-120"/>
+                <a:ea typeface="微軟正黑體" pitchFamily="34" charset="-120"/>
+              </a:rPr>
+              <a:t>袮</a:t>
+            </a:r>
+            <a:r>
+              <a:rPr lang="zh-TW" altLang="en-US" sz="5400" b="1" dirty="0" smtClean="0">
+                <a:latin typeface="微軟正黑體" pitchFamily="34" charset="-120"/>
+                <a:ea typeface="微軟正黑體" pitchFamily="34" charset="-120"/>
+              </a:rPr>
+              <a:t>帶</a:t>
+            </a:r>
+            <a:r>
               <a:rPr lang="zh-TW" altLang="en-US" sz="5400" b="1" dirty="0">
                 <a:latin typeface="微軟正黑體" pitchFamily="34" charset="-120"/>
                 <a:ea typeface="微軟正黑體" pitchFamily="34" charset="-120"/>
               </a:rPr>
-              <a:t>求你帶領我 使我不會再退縮</a:t>
+              <a:t>領我 使我不會再退縮</a:t>
             </a:r>
           </a:p>
         </p:txBody>
@@ -3375,7 +3642,35 @@
                 <a:latin typeface="微軟正黑體" pitchFamily="34" charset="-120"/>
                 <a:ea typeface="微軟正黑體" pitchFamily="34" charset="-120"/>
               </a:rPr>
-              <a:t>我需要有你在我生命中</a:t>
+              <a:t>我需要</a:t>
+            </a:r>
+            <a:r>
+              <a:rPr lang="zh-TW" altLang="en-US" b="1" dirty="0" smtClean="0">
+                <a:latin typeface="微軟正黑體" pitchFamily="34" charset="-120"/>
+                <a:ea typeface="微軟正黑體" pitchFamily="34" charset="-120"/>
+              </a:rPr>
+              <a:t>有</a:t>
+            </a:r>
+            <a:r>
+              <a:rPr lang="zh-CN" altLang="en-US" b="1" dirty="0">
+                <a:latin typeface="微軟正黑體" pitchFamily="34" charset="-120"/>
+                <a:ea typeface="微軟正黑體" pitchFamily="34" charset="-120"/>
+              </a:rPr>
+              <a:t>袮</a:t>
+            </a:r>
+            <a:r>
+              <a:rPr lang="zh-TW" altLang="en-US" b="1" dirty="0" smtClean="0">
+                <a:latin typeface="微軟正黑體" pitchFamily="34" charset="-120"/>
+                <a:ea typeface="微軟正黑體" pitchFamily="34" charset="-120"/>
+              </a:rPr>
+              <a:t>在</a:t>
+            </a:r>
+            <a:r>
+              <a:rPr lang="zh-TW" altLang="en-US" b="1" dirty="0">
+                <a:latin typeface="微軟正黑體" pitchFamily="34" charset="-120"/>
+                <a:ea typeface="微軟正黑體" pitchFamily="34" charset="-120"/>
+              </a:rPr>
+              <a:t>我生命中</a:t>
             </a:r>
           </a:p>
         </p:txBody>
@@ -3392,7 +3687,7 @@
         </p:nvSpPr>
         <p:spPr>
           <a:xfrm>
-            <a:off x="0" y="1600200"/>
+            <a:off x="1524000" y="1600201"/>
             <a:ext cx="9144000" cy="4525963"/>
           </a:xfrm>
         </p:spPr>
@@ -3410,7 +3705,35 @@
                 <a:latin typeface="微軟正黑體" pitchFamily="34" charset="-120"/>
                 <a:ea typeface="微軟正黑體" pitchFamily="34" charset="-120"/>
               </a:rPr>
-              <a:t>我需要有你在我生命中 </a:t>
+              <a:t>我需要</a:t>
+            </a:r>
+            <a:r>
+              <a:rPr lang="zh-TW" altLang="en-US" sz="5400" b="1" dirty="0" smtClean="0">
+                <a:latin typeface="微軟正黑體" pitchFamily="34" charset="-120"/>
+                <a:ea typeface="微軟正黑體" pitchFamily="34" charset="-120"/>
+              </a:rPr>
+              <a:t>有</a:t>
+            </a:r>
+            <a:r>
+              <a:rPr lang="zh-CN" altLang="en-US" sz="5400" b="1" dirty="0">
+                <a:latin typeface="微軟正黑體" pitchFamily="34" charset="-120"/>
+                <a:ea typeface="微軟正黑體" pitchFamily="34" charset="-120"/>
+              </a:rPr>
+              <a:t>袮</a:t>
+            </a:r>
+            <a:r>
+              <a:rPr lang="zh-TW" altLang="en-US" sz="5400" b="1" dirty="0" smtClean="0">
+                <a:latin typeface="微軟正黑體" pitchFamily="34" charset="-120"/>
+                <a:ea typeface="微軟正黑體" pitchFamily="34" charset="-120"/>
+              </a:rPr>
+              <a:t>在</a:t>
+            </a:r>
+            <a:r>
+              <a:rPr lang="zh-TW" altLang="en-US" sz="5400" b="1" dirty="0">
+                <a:latin typeface="微軟正黑體" pitchFamily="34" charset="-120"/>
+                <a:ea typeface="微軟正黑體" pitchFamily="34" charset="-120"/>
+              </a:rPr>
+              <a:t>我生命中 </a:t>
             </a:r>
             <a:endParaRPr lang="en-US" altLang="zh-TW" sz="5400" b="1" dirty="0">
               <a:latin typeface="微軟正黑體" pitchFamily="34" charset="-120"/>
@@ -3426,7 +3749,35 @@
                 <a:latin typeface="微軟正黑體" pitchFamily="34" charset="-120"/>
                 <a:ea typeface="微軟正黑體" pitchFamily="34" charset="-120"/>
               </a:rPr>
-              <a:t>好讓我一生能學你的樣式 </a:t>
+              <a:t>好讓我一生能</a:t>
+            </a:r>
+            <a:r>
+              <a:rPr lang="zh-TW" altLang="en-US" sz="5400" b="1" dirty="0" smtClean="0">
+                <a:latin typeface="微軟正黑體" pitchFamily="34" charset="-120"/>
+                <a:ea typeface="微軟正黑體" pitchFamily="34" charset="-120"/>
+              </a:rPr>
+              <a:t>學</a:t>
+            </a:r>
+            <a:r>
+              <a:rPr lang="zh-CN" altLang="en-US" sz="5400" b="1" dirty="0">
+                <a:latin typeface="微軟正黑體" pitchFamily="34" charset="-120"/>
+                <a:ea typeface="微軟正黑體" pitchFamily="34" charset="-120"/>
+              </a:rPr>
+              <a:t>袮</a:t>
+            </a:r>
+            <a:r>
+              <a:rPr lang="zh-TW" altLang="en-US" sz="5400" b="1" dirty="0" smtClean="0">
+                <a:latin typeface="微軟正黑體" pitchFamily="34" charset="-120"/>
+                <a:ea typeface="微軟正黑體" pitchFamily="34" charset="-120"/>
+              </a:rPr>
+              <a:t>的</a:t>
+            </a:r>
+            <a:r>
+              <a:rPr lang="zh-TW" altLang="en-US" sz="5400" b="1" dirty="0">
+                <a:latin typeface="微軟正黑體" pitchFamily="34" charset="-120"/>
+                <a:ea typeface="微軟正黑體" pitchFamily="34" charset="-120"/>
+              </a:rPr>
+              <a:t>樣式 </a:t>
             </a:r>
             <a:endParaRPr lang="en-US" altLang="zh-TW" sz="5400" b="1" dirty="0">
               <a:latin typeface="微軟正黑體" pitchFamily="34" charset="-120"/>
@@ -3442,7 +3793,35 @@
                 <a:latin typeface="微軟正黑體" pitchFamily="34" charset="-120"/>
                 <a:ea typeface="微軟正黑體" pitchFamily="34" charset="-120"/>
               </a:rPr>
-              <a:t>使我能成為你所喜悅的兒女</a:t>
+              <a:t>使我能成</a:t>
+            </a:r>
+            <a:r>
+              <a:rPr lang="zh-TW" altLang="en-US" sz="5400" b="1" dirty="0" smtClean="0">
+                <a:latin typeface="微軟正黑體" pitchFamily="34" charset="-120"/>
+                <a:ea typeface="微軟正黑體" pitchFamily="34" charset="-120"/>
+              </a:rPr>
+              <a:t>為</a:t>
+            </a:r>
+            <a:r>
+              <a:rPr lang="zh-CN" altLang="en-US" sz="5400" b="1" dirty="0">
+                <a:latin typeface="微軟正黑體" pitchFamily="34" charset="-120"/>
+                <a:ea typeface="微軟正黑體" pitchFamily="34" charset="-120"/>
+              </a:rPr>
+              <a:t>袮</a:t>
+            </a:r>
+            <a:r>
+              <a:rPr lang="zh-TW" altLang="en-US" sz="5400" b="1" dirty="0" smtClean="0">
+                <a:latin typeface="微軟正黑體" pitchFamily="34" charset="-120"/>
+                <a:ea typeface="微軟正黑體" pitchFamily="34" charset="-120"/>
+              </a:rPr>
+              <a:t>所</a:t>
+            </a:r>
+            <a:r>
+              <a:rPr lang="zh-TW" altLang="en-US" sz="5400" b="1" dirty="0">
+                <a:latin typeface="微軟正黑體" pitchFamily="34" charset="-120"/>
+                <a:ea typeface="微軟正黑體" pitchFamily="34" charset="-120"/>
+              </a:rPr>
+              <a:t>喜悅的兒女</a:t>
             </a:r>
           </a:p>
           <a:p>
@@ -3454,7 +3833,35 @@
                 <a:latin typeface="微軟正黑體" pitchFamily="34" charset="-120"/>
                 <a:ea typeface="微軟正黑體" pitchFamily="34" charset="-120"/>
               </a:rPr>
-              <a:t>使我的生命 能夠彰顯你榮耀</a:t>
+              <a:t>使我的生命 能夠彰</a:t>
+            </a:r>
+            <a:r>
+              <a:rPr lang="zh-TW" altLang="en-US" sz="5400" b="1" dirty="0" smtClean="0">
+                <a:latin typeface="微軟正黑體" pitchFamily="34" charset="-120"/>
+                <a:ea typeface="微軟正黑體" pitchFamily="34" charset="-120"/>
+              </a:rPr>
+              <a:t>顯</a:t>
+            </a:r>
+            <a:r>
+              <a:rPr lang="zh-CN" altLang="en-US" sz="5400" b="1" dirty="0">
+                <a:latin typeface="微軟正黑體" pitchFamily="34" charset="-120"/>
+                <a:ea typeface="微軟正黑體" pitchFamily="34" charset="-120"/>
+              </a:rPr>
+              <a:t>袮</a:t>
+            </a:r>
+            <a:r>
+              <a:rPr lang="zh-TW" altLang="en-US" sz="5400" b="1" dirty="0" smtClean="0">
+                <a:latin typeface="微軟正黑體" pitchFamily="34" charset="-120"/>
+                <a:ea typeface="微軟正黑體" pitchFamily="34" charset="-120"/>
+              </a:rPr>
+              <a:t>榮</a:t>
+            </a:r>
+            <a:r>
+              <a:rPr lang="zh-TW" altLang="en-US" sz="5400" b="1" dirty="0">
+                <a:latin typeface="微軟正黑體" pitchFamily="34" charset="-120"/>
+                <a:ea typeface="微軟正黑體" pitchFamily="34" charset="-120"/>
+              </a:rPr>
+              <a:t>耀</a:t>
             </a:r>
           </a:p>
         </p:txBody>
@@ -3468,7 +3875,7 @@
 </file>
 
 <file path=ppt/theme/theme1.xml><?xml version="1.0" encoding="utf-8"?>
-<a:theme xmlns:a="http://schemas.openxmlformats.org/drawingml/2006/main" name="Office 佈景主題">
+<a:theme xmlns:a="http://schemas.openxmlformats.org/drawingml/2006/main" name="Theme1">
   <a:themeElements>
     <a:clrScheme name="Office">
       <a:dk1>
@@ -3747,5 +4154,10 @@
   </a:themeElements>
   <a:objectDefaults/>
   <a:extraClrSchemeLst/>
+  <a:extLst>
+    <a:ext uri="{05A4C25C-085E-4340-85A3-A5531E510DB2}">
+      <thm15:themeFamily xmlns:thm15="http://schemas.microsoft.com/office/thememl/2012/main" name="Theme1" id="{AFC7C034-021A-479F-A5B0-F4AE2AC2A6F8}" vid="{E4B01A5C-7C0B-4AB8-8973-047186F18E30}"/>
+    </a:ext>
+  </a:extLst>
 </a:theme>
 </file>
--- a/我需要有你在我生命中.pptx
+++ b/我需要有你在我生命中.pptx
@@ -5,9 +5,13 @@
     <p:sldMasterId id="2147483660" r:id="rId1"/>
   </p:sldMasterIdLst>
   <p:sldIdLst>
-    <p:sldId id="257" r:id="rId2"/>
-    <p:sldId id="258" r:id="rId3"/>
-    <p:sldId id="259" r:id="rId4"/>
+    <p:sldId id="260" r:id="rId2"/>
+    <p:sldId id="261" r:id="rId3"/>
+    <p:sldId id="262" r:id="rId4"/>
+    <p:sldId id="263" r:id="rId5"/>
+    <p:sldId id="264" r:id="rId6"/>
+    <p:sldId id="265" r:id="rId7"/>
+    <p:sldId id="266" r:id="rId8"/>
   </p:sldIdLst>
   <p:sldSz cx="12192000" cy="6858000"/>
   <p:notesSz cx="6858000" cy="9144000"/>
@@ -306,7 +310,7 @@
           <a:p>
             <a:fld id="{641968FE-19D5-4114-B53F-D43144FE8E97}" type="datetimeFigureOut">
               <a:rPr lang="zh-TW" altLang="en-US" smtClean="0"/>
-              <a:t>2020/2/8</a:t>
+              <a:t>2021/11/11</a:t>
             </a:fld>
             <a:endParaRPr lang="zh-TW" altLang="en-US"/>
           </a:p>
@@ -476,7 +480,7 @@
           <a:p>
             <a:fld id="{641968FE-19D5-4114-B53F-D43144FE8E97}" type="datetimeFigureOut">
               <a:rPr lang="zh-TW" altLang="en-US" smtClean="0"/>
-              <a:t>2020/2/8</a:t>
+              <a:t>2021/11/11</a:t>
             </a:fld>
             <a:endParaRPr lang="zh-TW" altLang="en-US"/>
           </a:p>
@@ -656,7 +660,7 @@
           <a:p>
             <a:fld id="{641968FE-19D5-4114-B53F-D43144FE8E97}" type="datetimeFigureOut">
               <a:rPr lang="zh-TW" altLang="en-US" smtClean="0"/>
-              <a:t>2020/2/8</a:t>
+              <a:t>2021/11/11</a:t>
             </a:fld>
             <a:endParaRPr lang="zh-TW" altLang="en-US"/>
           </a:p>
@@ -826,7 +830,7 @@
           <a:p>
             <a:fld id="{641968FE-19D5-4114-B53F-D43144FE8E97}" type="datetimeFigureOut">
               <a:rPr lang="zh-TW" altLang="en-US" smtClean="0"/>
-              <a:t>2020/2/8</a:t>
+              <a:t>2021/11/11</a:t>
             </a:fld>
             <a:endParaRPr lang="zh-TW" altLang="en-US"/>
           </a:p>
@@ -1072,7 +1076,7 @@
           <a:p>
             <a:fld id="{641968FE-19D5-4114-B53F-D43144FE8E97}" type="datetimeFigureOut">
               <a:rPr lang="zh-TW" altLang="en-US" smtClean="0"/>
-              <a:t>2020/2/8</a:t>
+              <a:t>2021/11/11</a:t>
             </a:fld>
             <a:endParaRPr lang="zh-TW" altLang="en-US"/>
           </a:p>
@@ -1360,7 +1364,7 @@
           <a:p>
             <a:fld id="{641968FE-19D5-4114-B53F-D43144FE8E97}" type="datetimeFigureOut">
               <a:rPr lang="zh-TW" altLang="en-US" smtClean="0"/>
-              <a:t>2020/2/8</a:t>
+              <a:t>2021/11/11</a:t>
             </a:fld>
             <a:endParaRPr lang="zh-TW" altLang="en-US"/>
           </a:p>
@@ -1782,7 +1786,7 @@
           <a:p>
             <a:fld id="{641968FE-19D5-4114-B53F-D43144FE8E97}" type="datetimeFigureOut">
               <a:rPr lang="zh-TW" altLang="en-US" smtClean="0"/>
-              <a:t>2020/2/8</a:t>
+              <a:t>2021/11/11</a:t>
             </a:fld>
             <a:endParaRPr lang="zh-TW" altLang="en-US"/>
           </a:p>
@@ -1900,7 +1904,7 @@
           <a:p>
             <a:fld id="{641968FE-19D5-4114-B53F-D43144FE8E97}" type="datetimeFigureOut">
               <a:rPr lang="zh-TW" altLang="en-US" smtClean="0"/>
-              <a:t>2020/2/8</a:t>
+              <a:t>2021/11/11</a:t>
             </a:fld>
             <a:endParaRPr lang="zh-TW" altLang="en-US"/>
           </a:p>
@@ -1995,7 +1999,7 @@
           <a:p>
             <a:fld id="{641968FE-19D5-4114-B53F-D43144FE8E97}" type="datetimeFigureOut">
               <a:rPr lang="zh-TW" altLang="en-US" smtClean="0"/>
-              <a:t>2020/2/8</a:t>
+              <a:t>2021/11/11</a:t>
             </a:fld>
             <a:endParaRPr lang="zh-TW" altLang="en-US"/>
           </a:p>
@@ -2272,7 +2276,7 @@
           <a:p>
             <a:fld id="{641968FE-19D5-4114-B53F-D43144FE8E97}" type="datetimeFigureOut">
               <a:rPr lang="zh-TW" altLang="en-US" smtClean="0"/>
-              <a:t>2020/2/8</a:t>
+              <a:t>2021/11/11</a:t>
             </a:fld>
             <a:endParaRPr lang="zh-TW" altLang="en-US"/>
           </a:p>
@@ -2529,7 +2533,7 @@
           <a:p>
             <a:fld id="{641968FE-19D5-4114-B53F-D43144FE8E97}" type="datetimeFigureOut">
               <a:rPr lang="zh-TW" altLang="en-US" smtClean="0"/>
-              <a:t>2020/2/8</a:t>
+              <a:t>2021/11/11</a:t>
             </a:fld>
             <a:endParaRPr lang="zh-TW" altLang="en-US"/>
           </a:p>
@@ -2747,7 +2751,7 @@
           <a:p>
             <a:fld id="{641968FE-19D5-4114-B53F-D43144FE8E97}" type="datetimeFigureOut">
               <a:rPr lang="zh-TW" altLang="en-US" smtClean="0"/>
-              <a:t>2020/2/8</a:t>
+              <a:t>2021/11/11</a:t>
             </a:fld>
             <a:endParaRPr lang="zh-TW" altLang="en-US"/>
           </a:p>
@@ -3124,71 +3128,18 @@
       </p:grpSpPr>
       <p:sp>
         <p:nvSpPr>
-          <p:cNvPr id="2" name="標題 1"/>
+          <p:cNvPr id="4" name="標題 3"/>
           <p:cNvSpPr>
             <a:spLocks noGrp="1"/>
           </p:cNvSpPr>
           <p:nvPr>
             <p:ph type="title"/>
-          </p:nvPr>
-        </p:nvSpPr>
-        <p:spPr/>
-        <p:txBody>
-          <a:bodyPr/>
-          <a:lstStyle/>
-          <a:p>
-            <a:r>
-              <a:rPr lang="zh-TW" altLang="en-US" b="1" dirty="0">
-                <a:latin typeface="微軟正黑體" pitchFamily="34" charset="-120"/>
-                <a:ea typeface="微軟正黑體" pitchFamily="34" charset="-120"/>
-              </a:rPr>
-              <a:t>我需要</a:t>
-            </a:r>
-            <a:r>
-              <a:rPr lang="zh-TW" altLang="en-US" b="1" dirty="0" smtClean="0">
-                <a:latin typeface="微軟正黑體" pitchFamily="34" charset="-120"/>
-                <a:ea typeface="微軟正黑體" pitchFamily="34" charset="-120"/>
-              </a:rPr>
-              <a:t>有</a:t>
-            </a:r>
-            <a:r>
-              <a:rPr lang="zh-CN" altLang="en-US" b="1" dirty="0" smtClean="0">
-                <a:latin typeface="微軟正黑體" pitchFamily="34" charset="-120"/>
-                <a:ea typeface="微軟正黑體" pitchFamily="34" charset="-120"/>
-              </a:rPr>
-              <a:t>袮</a:t>
-            </a:r>
-            <a:r>
-              <a:rPr lang="zh-TW" altLang="en-US" b="1" dirty="0" smtClean="0">
-                <a:latin typeface="微軟正黑體" pitchFamily="34" charset="-120"/>
-                <a:ea typeface="微軟正黑體" pitchFamily="34" charset="-120"/>
-              </a:rPr>
-              <a:t>在</a:t>
-            </a:r>
-            <a:r>
-              <a:rPr lang="zh-TW" altLang="en-US" b="1" dirty="0">
-                <a:latin typeface="微軟正黑體" pitchFamily="34" charset="-120"/>
-                <a:ea typeface="微軟正黑體" pitchFamily="34" charset="-120"/>
-              </a:rPr>
-              <a:t>我生命中</a:t>
-            </a:r>
-          </a:p>
-        </p:txBody>
-      </p:sp>
-      <p:sp>
-        <p:nvSpPr>
-          <p:cNvPr id="3" name="內容版面配置區 2"/>
-          <p:cNvSpPr>
-            <a:spLocks noGrp="1"/>
-          </p:cNvSpPr>
-          <p:nvPr>
-            <p:ph idx="1"/>
           </p:nvPr>
         </p:nvSpPr>
         <p:spPr>
           <a:xfrm>
-            <a:off x="1524000" y="1600201"/>
-            <a:ext cx="9144000" cy="4525963"/>
+            <a:off x="0" y="2660915"/>
+            <a:ext cx="12192000" cy="1143000"/>
           </a:xfrm>
         </p:spPr>
         <p:txBody>
@@ -3197,185 +3148,83 @@
           </a:bodyPr>
           <a:lstStyle/>
           <a:p>
-            <a:pPr algn="ctr">
-              <a:buNone/>
-            </a:pPr>
-            <a:r>
-              <a:rPr lang="zh-TW" altLang="en-US" sz="5400" b="1" dirty="0">
-                <a:latin typeface="微軟正黑體" pitchFamily="34" charset="-120"/>
-                <a:ea typeface="微軟正黑體" pitchFamily="34" charset="-120"/>
-              </a:rPr>
-              <a:t>哦主 </a:t>
-            </a:r>
-            <a:r>
-              <a:rPr lang="zh-TW" altLang="en-US" sz="5400" b="1" dirty="0" smtClean="0">
-                <a:latin typeface="微軟正黑體" pitchFamily="34" charset="-120"/>
-                <a:ea typeface="微軟正黑體" pitchFamily="34" charset="-120"/>
-              </a:rPr>
-              <a:t>求</a:t>
-            </a:r>
-            <a:r>
-              <a:rPr lang="zh-CN" altLang="en-US" sz="5400" b="1" dirty="0">
+            <a:r>
+              <a:rPr lang="zh-TW" altLang="en-US" sz="7200" b="1" i="1" dirty="0" smtClean="0">
+                <a:solidFill>
+                  <a:srgbClr val="660033"/>
+                </a:solidFill>
+                <a:effectLst>
+                  <a:outerShdw blurRad="38100" dist="38100" dir="2700000" algn="tl">
+                    <a:srgbClr val="000000">
+                      <a:alpha val="43137"/>
+                    </a:srgbClr>
+                  </a:outerShdw>
+                </a:effectLst>
+                <a:latin typeface="微軟正黑體" pitchFamily="34" charset="-120"/>
+                <a:ea typeface="微軟正黑體" pitchFamily="34" charset="-120"/>
+              </a:rPr>
+              <a:t>我</a:t>
+            </a:r>
+            <a:r>
+              <a:rPr lang="zh-TW" altLang="en-US" sz="7200" b="1" i="1" dirty="0">
+                <a:solidFill>
+                  <a:srgbClr val="660033"/>
+                </a:solidFill>
+                <a:effectLst>
+                  <a:outerShdw blurRad="38100" dist="38100" dir="2700000" algn="tl">
+                    <a:srgbClr val="000000">
+                      <a:alpha val="43137"/>
+                    </a:srgbClr>
+                  </a:outerShdw>
+                </a:effectLst>
+                <a:latin typeface="微軟正黑體" pitchFamily="34" charset="-120"/>
+                <a:ea typeface="微軟正黑體" pitchFamily="34" charset="-120"/>
+              </a:rPr>
+              <a:t>需要有</a:t>
+            </a:r>
+            <a:r>
+              <a:rPr lang="zh-CN" altLang="en-US" sz="7200" b="1" i="1" dirty="0">
+                <a:solidFill>
+                  <a:srgbClr val="660033"/>
+                </a:solidFill>
+                <a:effectLst>
+                  <a:outerShdw blurRad="38100" dist="38100" dir="2700000" algn="tl">
+                    <a:srgbClr val="000000">
+                      <a:alpha val="43137"/>
+                    </a:srgbClr>
+                  </a:outerShdw>
+                </a:effectLst>
                 <a:latin typeface="微軟正黑體" pitchFamily="34" charset="-120"/>
                 <a:ea typeface="微軟正黑體" pitchFamily="34" charset="-120"/>
               </a:rPr>
               <a:t>袮</a:t>
             </a:r>
             <a:r>
-              <a:rPr lang="zh-TW" altLang="en-US" sz="5400" b="1" dirty="0" smtClean="0">
-                <a:latin typeface="微軟正黑體" pitchFamily="34" charset="-120"/>
-                <a:ea typeface="微軟正黑體" pitchFamily="34" charset="-120"/>
-              </a:rPr>
-              <a:t>保</a:t>
-            </a:r>
-            <a:r>
-              <a:rPr lang="zh-TW" altLang="en-US" sz="5400" b="1" dirty="0">
-                <a:latin typeface="微軟正黑體" pitchFamily="34" charset="-120"/>
-                <a:ea typeface="微軟正黑體" pitchFamily="34" charset="-120"/>
-              </a:rPr>
-              <a:t>守</a:t>
-            </a:r>
-            <a:endParaRPr lang="en-US" altLang="zh-TW" sz="5400" b="1" dirty="0">
-              <a:latin typeface="微軟正黑體" pitchFamily="34" charset="-120"/>
-              <a:ea typeface="微軟正黑體" pitchFamily="34" charset="-120"/>
-            </a:endParaRPr>
-          </a:p>
-          <a:p>
-            <a:pPr algn="ctr">
-              <a:buNone/>
-            </a:pPr>
-            <a:r>
-              <a:rPr lang="zh-TW" altLang="en-US" sz="5400" b="1" dirty="0">
-                <a:latin typeface="微軟正黑體" pitchFamily="34" charset="-120"/>
-                <a:ea typeface="微軟正黑體" pitchFamily="34" charset="-120"/>
-              </a:rPr>
-              <a:t>我</a:t>
-            </a:r>
-            <a:r>
-              <a:rPr lang="zh-TW" altLang="en-US" sz="5400" b="1" dirty="0">
-                <a:latin typeface="微軟正黑體" pitchFamily="34" charset="-120"/>
-                <a:ea typeface="微軟正黑體" pitchFamily="34" charset="-120"/>
-              </a:rPr>
-              <a:t>的心我的意念 </a:t>
-            </a:r>
-            <a:endParaRPr lang="en-US" altLang="zh-TW" sz="5400" b="1" dirty="0">
-              <a:latin typeface="微軟正黑體" pitchFamily="34" charset="-120"/>
-              <a:ea typeface="微軟正黑體" pitchFamily="34" charset="-120"/>
-            </a:endParaRPr>
-          </a:p>
-          <a:p>
-            <a:pPr algn="ctr">
-              <a:buNone/>
-            </a:pPr>
-            <a:r>
-              <a:rPr lang="zh-TW" altLang="en-US" sz="5400" b="1" dirty="0">
-                <a:latin typeface="微軟正黑體" pitchFamily="34" charset="-120"/>
-                <a:ea typeface="微軟正黑體" pitchFamily="34" charset="-120"/>
-              </a:rPr>
-              <a:t>使</a:t>
-            </a:r>
-            <a:r>
-              <a:rPr lang="zh-TW" altLang="en-US" sz="5400" b="1" dirty="0">
-                <a:latin typeface="微軟正黑體" pitchFamily="34" charset="-120"/>
-                <a:ea typeface="微軟正黑體" pitchFamily="34" charset="-120"/>
-              </a:rPr>
-              <a:t>我能夠遵</a:t>
-            </a:r>
-            <a:r>
-              <a:rPr lang="zh-TW" altLang="en-US" sz="5400" b="1" dirty="0" smtClean="0">
-                <a:latin typeface="微軟正黑體" pitchFamily="34" charset="-120"/>
-                <a:ea typeface="微軟正黑體" pitchFamily="34" charset="-120"/>
-              </a:rPr>
-              <a:t>行</a:t>
-            </a:r>
-            <a:r>
-              <a:rPr lang="zh-CN" altLang="en-US" sz="5400" b="1" dirty="0">
-                <a:latin typeface="微軟正黑體" pitchFamily="34" charset="-120"/>
-                <a:ea typeface="微軟正黑體" pitchFamily="34" charset="-120"/>
-              </a:rPr>
-              <a:t>袮</a:t>
-            </a:r>
-            <a:r>
-              <a:rPr lang="zh-TW" altLang="en-US" sz="5400" b="1" dirty="0" smtClean="0">
-                <a:latin typeface="微軟正黑體" pitchFamily="34" charset="-120"/>
-                <a:ea typeface="微軟正黑體" pitchFamily="34" charset="-120"/>
-              </a:rPr>
-              <a:t>旨</a:t>
-            </a:r>
-            <a:r>
-              <a:rPr lang="zh-TW" altLang="en-US" sz="5400" b="1" dirty="0">
-                <a:latin typeface="微軟正黑體" pitchFamily="34" charset="-120"/>
-                <a:ea typeface="微軟正黑體" pitchFamily="34" charset="-120"/>
-              </a:rPr>
-              <a:t>意 </a:t>
-            </a:r>
-            <a:endParaRPr lang="en-US" altLang="zh-TW" sz="5400" b="1" dirty="0">
-              <a:latin typeface="微軟正黑體" pitchFamily="34" charset="-120"/>
-              <a:ea typeface="微軟正黑體" pitchFamily="34" charset="-120"/>
-            </a:endParaRPr>
-          </a:p>
-          <a:p>
-            <a:pPr algn="ctr">
-              <a:buNone/>
-            </a:pPr>
-            <a:r>
-              <a:rPr lang="zh-TW" altLang="en-US" sz="5400" b="1" dirty="0">
-                <a:latin typeface="微軟正黑體" pitchFamily="34" charset="-120"/>
-                <a:ea typeface="微軟正黑體" pitchFamily="34" charset="-120"/>
-              </a:rPr>
-              <a:t>我</a:t>
-            </a:r>
-            <a:r>
-              <a:rPr lang="zh-TW" altLang="en-US" sz="5400" b="1" dirty="0">
-                <a:latin typeface="微軟正黑體" pitchFamily="34" charset="-120"/>
-                <a:ea typeface="微軟正黑體" pitchFamily="34" charset="-120"/>
-              </a:rPr>
-              <a:t>願</a:t>
-            </a:r>
-            <a:r>
-              <a:rPr lang="zh-TW" altLang="en-US" sz="5400" b="1" dirty="0" smtClean="0">
-                <a:latin typeface="微軟正黑體" pitchFamily="34" charset="-120"/>
-                <a:ea typeface="微軟正黑體" pitchFamily="34" charset="-120"/>
-              </a:rPr>
-              <a:t>將</a:t>
-            </a:r>
-            <a:r>
-              <a:rPr lang="zh-CN" altLang="en-US" sz="5400" b="1" dirty="0">
-                <a:latin typeface="微軟正黑體" pitchFamily="34" charset="-120"/>
-                <a:ea typeface="微軟正黑體" pitchFamily="34" charset="-120"/>
-              </a:rPr>
-              <a:t>袮</a:t>
-            </a:r>
-            <a:r>
-              <a:rPr lang="zh-TW" altLang="en-US" sz="5400" b="1" dirty="0" smtClean="0">
-                <a:latin typeface="微軟正黑體" pitchFamily="34" charset="-120"/>
-                <a:ea typeface="微軟正黑體" pitchFamily="34" charset="-120"/>
-              </a:rPr>
-              <a:t>話</a:t>
-            </a:r>
-            <a:r>
-              <a:rPr lang="zh-TW" altLang="en-US" sz="5400" b="1" dirty="0">
-                <a:latin typeface="微軟正黑體" pitchFamily="34" charset="-120"/>
-                <a:ea typeface="微軟正黑體" pitchFamily="34" charset="-120"/>
-              </a:rPr>
-              <a:t>語深藏在我心</a:t>
-            </a:r>
-          </a:p>
-          <a:p>
-            <a:pPr algn="ctr">
-              <a:buNone/>
-            </a:pPr>
-            <a:r>
-              <a:rPr lang="zh-TW" altLang="en-US" sz="5400" b="1" dirty="0">
-                <a:latin typeface="微軟正黑體" pitchFamily="34" charset="-120"/>
-                <a:ea typeface="微軟正黑體" pitchFamily="34" charset="-120"/>
-              </a:rPr>
-              <a:t>作路上的光 成為我腳前的燈</a:t>
+              <a:rPr lang="zh-TW" altLang="en-US" sz="7200" b="1" i="1" dirty="0">
+                <a:solidFill>
+                  <a:srgbClr val="660033"/>
+                </a:solidFill>
+                <a:effectLst>
+                  <a:outerShdw blurRad="38100" dist="38100" dir="2700000" algn="tl">
+                    <a:srgbClr val="000000">
+                      <a:alpha val="43137"/>
+                    </a:srgbClr>
+                  </a:outerShdw>
+                </a:effectLst>
+                <a:latin typeface="微軟正黑體" pitchFamily="34" charset="-120"/>
+                <a:ea typeface="微軟正黑體" pitchFamily="34" charset="-120"/>
+              </a:rPr>
+              <a:t>在我生命中</a:t>
             </a:r>
           </a:p>
         </p:txBody>
       </p:sp>
     </p:spTree>
+    <p:extLst>
+      <p:ext uri="{BB962C8B-B14F-4D97-AF65-F5344CB8AC3E}">
+        <p14:creationId xmlns:p14="http://schemas.microsoft.com/office/powerpoint/2010/main" val="923418580"/>
+      </p:ext>
+    </p:extLst>
   </p:cSld>
   <p:clrMapOvr>
     <a:masterClrMapping/>
@@ -3402,60 +3251,7 @@
       </p:grpSpPr>
       <p:sp>
         <p:nvSpPr>
-          <p:cNvPr id="2" name="標題 1"/>
-          <p:cNvSpPr>
-            <a:spLocks noGrp="1"/>
-          </p:cNvSpPr>
-          <p:nvPr>
-            <p:ph type="title"/>
-          </p:nvPr>
-        </p:nvSpPr>
-        <p:spPr/>
-        <p:txBody>
-          <a:bodyPr/>
-          <a:lstStyle/>
-          <a:p>
-            <a:r>
-              <a:rPr lang="zh-TW" altLang="en-US" b="1" dirty="0">
-                <a:latin typeface="微軟正黑體" pitchFamily="34" charset="-120"/>
-                <a:ea typeface="微軟正黑體" pitchFamily="34" charset="-120"/>
-              </a:rPr>
-              <a:t>我需要</a:t>
-            </a:r>
-            <a:r>
-              <a:rPr lang="zh-TW" altLang="en-US" b="1" dirty="0" smtClean="0">
-                <a:latin typeface="微軟正黑體" pitchFamily="34" charset="-120"/>
-                <a:ea typeface="微軟正黑體" pitchFamily="34" charset="-120"/>
-              </a:rPr>
-              <a:t>有</a:t>
-            </a:r>
-            <a:r>
-              <a:rPr lang="zh-CN" altLang="en-US" b="1" dirty="0">
-                <a:latin typeface="微軟正黑體" pitchFamily="34" charset="-120"/>
-                <a:ea typeface="微軟正黑體" pitchFamily="34" charset="-120"/>
-              </a:rPr>
-              <a:t>袮</a:t>
-            </a:r>
-            <a:r>
-              <a:rPr lang="zh-TW" altLang="en-US" b="1" dirty="0" smtClean="0">
-                <a:latin typeface="微軟正黑體" pitchFamily="34" charset="-120"/>
-                <a:ea typeface="微軟正黑體" pitchFamily="34" charset="-120"/>
-              </a:rPr>
-              <a:t>在</a:t>
-            </a:r>
-            <a:r>
-              <a:rPr lang="zh-TW" altLang="en-US" b="1" dirty="0">
-                <a:latin typeface="微軟正黑體" pitchFamily="34" charset="-120"/>
-                <a:ea typeface="微軟正黑體" pitchFamily="34" charset="-120"/>
-              </a:rPr>
-              <a:t>我生命中</a:t>
-            </a:r>
-          </a:p>
-        </p:txBody>
-      </p:sp>
-      <p:sp>
-        <p:nvSpPr>
-          <p:cNvPr id="3" name="內容版面配置區 2"/>
+          <p:cNvPr id="5" name="內容版面配置區 4"/>
           <p:cNvSpPr>
             <a:spLocks noGrp="1"/>
           </p:cNvSpPr>
@@ -3465,13 +3261,13 @@
         </p:nvSpPr>
         <p:spPr>
           <a:xfrm>
-            <a:off x="1524000" y="1600201"/>
-            <a:ext cx="9144000" cy="4525963"/>
+            <a:off x="0" y="2084853"/>
+            <a:ext cx="12192000" cy="2404863"/>
           </a:xfrm>
         </p:spPr>
         <p:txBody>
-          <a:bodyPr>
-            <a:noAutofit/>
+          <a:bodyPr anchor="ctr">
+            <a:normAutofit/>
           </a:bodyPr>
           <a:lstStyle/>
           <a:p>
@@ -3479,41 +3275,89 @@
               <a:buNone/>
             </a:pPr>
             <a:r>
-              <a:rPr lang="zh-TW" altLang="en-US" sz="5400" b="1" dirty="0">
+              <a:rPr lang="zh-TW" altLang="en-US" sz="6400" b="1" dirty="0">
+                <a:solidFill>
+                  <a:srgbClr val="660033"/>
+                </a:solidFill>
                 <a:latin typeface="微軟正黑體" pitchFamily="34" charset="-120"/>
                 <a:ea typeface="微軟正黑體" pitchFamily="34" charset="-120"/>
               </a:rPr>
               <a:t>哦主 </a:t>
             </a:r>
             <a:r>
-              <a:rPr lang="zh-TW" altLang="en-US" sz="5400" b="1" dirty="0" smtClean="0">
-                <a:latin typeface="微軟正黑體" pitchFamily="34" charset="-120"/>
-                <a:ea typeface="微軟正黑體" pitchFamily="34" charset="-120"/>
-              </a:rPr>
-              <a:t>求</a:t>
-            </a:r>
-            <a:r>
-              <a:rPr lang="zh-CN" altLang="en-US" sz="5400" b="1" dirty="0">
+              <a:rPr lang="zh-TW" altLang="en-US" sz="6400" b="1" dirty="0" smtClean="0">
+                <a:solidFill>
+                  <a:srgbClr val="660033"/>
+                </a:solidFill>
+                <a:latin typeface="微軟正黑體" pitchFamily="34" charset="-120"/>
+                <a:ea typeface="微軟正黑體" pitchFamily="34" charset="-120"/>
+              </a:rPr>
+              <a:t> 求</a:t>
+            </a:r>
+            <a:r>
+              <a:rPr lang="zh-CN" altLang="en-US" sz="6400" b="1" dirty="0">
+                <a:solidFill>
+                  <a:srgbClr val="660033"/>
+                </a:solidFill>
                 <a:latin typeface="微軟正黑體" pitchFamily="34" charset="-120"/>
                 <a:ea typeface="微軟正黑體" pitchFamily="34" charset="-120"/>
               </a:rPr>
               <a:t>袮</a:t>
             </a:r>
             <a:r>
-              <a:rPr lang="zh-TW" altLang="en-US" sz="5400" b="1" dirty="0" smtClean="0">
-                <a:latin typeface="微軟正黑體" pitchFamily="34" charset="-120"/>
-                <a:ea typeface="微軟正黑體" pitchFamily="34" charset="-120"/>
-              </a:rPr>
-              <a:t>堅</a:t>
-            </a:r>
-            <a:r>
-              <a:rPr lang="zh-TW" altLang="en-US" sz="5400" b="1" dirty="0">
-                <a:latin typeface="微軟正黑體" pitchFamily="34" charset="-120"/>
-                <a:ea typeface="微軟正黑體" pitchFamily="34" charset="-120"/>
-              </a:rPr>
-              <a:t>固</a:t>
-            </a:r>
-            <a:endParaRPr lang="en-US" altLang="zh-TW" sz="5400" b="1" dirty="0">
+              <a:rPr lang="zh-TW" altLang="en-US" sz="6400" b="1" dirty="0">
+                <a:solidFill>
+                  <a:srgbClr val="660033"/>
+                </a:solidFill>
+                <a:latin typeface="微軟正黑體" pitchFamily="34" charset="-120"/>
+                <a:ea typeface="微軟正黑體" pitchFamily="34" charset="-120"/>
+              </a:rPr>
+              <a:t>保</a:t>
+            </a:r>
+            <a:r>
+              <a:rPr lang="zh-TW" altLang="en-US" sz="6400" b="1" dirty="0" smtClean="0">
+                <a:solidFill>
+                  <a:srgbClr val="660033"/>
+                </a:solidFill>
+                <a:latin typeface="微軟正黑體" pitchFamily="34" charset="-120"/>
+                <a:ea typeface="微軟正黑體" pitchFamily="34" charset="-120"/>
+              </a:rPr>
+              <a:t>守我</a:t>
+            </a:r>
+            <a:r>
+              <a:rPr lang="zh-TW" altLang="en-US" sz="6400" b="1" dirty="0">
+                <a:solidFill>
+                  <a:srgbClr val="660033"/>
+                </a:solidFill>
+                <a:latin typeface="微軟正黑體" pitchFamily="34" charset="-120"/>
+                <a:ea typeface="微軟正黑體" pitchFamily="34" charset="-120"/>
+              </a:rPr>
+              <a:t>的</a:t>
+            </a:r>
+            <a:r>
+              <a:rPr lang="zh-TW" altLang="en-US" sz="6400" b="1" dirty="0" smtClean="0">
+                <a:solidFill>
+                  <a:srgbClr val="660033"/>
+                </a:solidFill>
+                <a:latin typeface="微軟正黑體" pitchFamily="34" charset="-120"/>
+                <a:ea typeface="微軟正黑體" pitchFamily="34" charset="-120"/>
+              </a:rPr>
+              <a:t>心  我</a:t>
+            </a:r>
+            <a:r>
+              <a:rPr lang="zh-TW" altLang="en-US" sz="6400" b="1" dirty="0">
+                <a:solidFill>
+                  <a:srgbClr val="660033"/>
+                </a:solidFill>
+                <a:latin typeface="微軟正黑體" pitchFamily="34" charset="-120"/>
+                <a:ea typeface="微軟正黑體" pitchFamily="34" charset="-120"/>
+              </a:rPr>
+              <a:t>的意念 </a:t>
+            </a:r>
+            <a:endParaRPr lang="en-US" altLang="zh-TW" sz="6400" b="1" dirty="0">
+              <a:solidFill>
+                <a:srgbClr val="660033"/>
+              </a:solidFill>
               <a:latin typeface="微軟正黑體" pitchFamily="34" charset="-120"/>
               <a:ea typeface="微軟正黑體" pitchFamily="34" charset="-120"/>
             </a:endParaRPr>
@@ -3523,81 +3367,113 @@
               <a:buNone/>
             </a:pPr>
             <a:r>
-              <a:rPr lang="zh-TW" altLang="en-US" sz="5400" b="1" dirty="0">
-                <a:latin typeface="微軟正黑體" pitchFamily="34" charset="-120"/>
-                <a:ea typeface="微軟正黑體" pitchFamily="34" charset="-120"/>
-              </a:rPr>
-              <a:t>我信心我的力量 </a:t>
-            </a:r>
-            <a:endParaRPr lang="en-US" altLang="zh-TW" sz="5400" b="1" dirty="0">
+              <a:rPr lang="zh-TW" altLang="en-US" sz="6400" b="1" dirty="0">
+                <a:solidFill>
+                  <a:srgbClr val="660033"/>
+                </a:solidFill>
+                <a:latin typeface="微軟正黑體" pitchFamily="34" charset="-120"/>
+                <a:ea typeface="微軟正黑體" pitchFamily="34" charset="-120"/>
+              </a:rPr>
+              <a:t>使我能夠遵行</a:t>
+            </a:r>
+            <a:r>
+              <a:rPr lang="zh-CN" altLang="en-US" sz="6400" b="1" dirty="0">
+                <a:solidFill>
+                  <a:srgbClr val="660033"/>
+                </a:solidFill>
+                <a:latin typeface="微軟正黑體" pitchFamily="34" charset="-120"/>
+                <a:ea typeface="微軟正黑體" pitchFamily="34" charset="-120"/>
+              </a:rPr>
+              <a:t>袮</a:t>
+            </a:r>
+            <a:r>
+              <a:rPr lang="zh-TW" altLang="en-US" sz="6400" b="1" dirty="0">
+                <a:solidFill>
+                  <a:srgbClr val="660033"/>
+                </a:solidFill>
+                <a:latin typeface="微軟正黑體" pitchFamily="34" charset="-120"/>
+                <a:ea typeface="微軟正黑體" pitchFamily="34" charset="-120"/>
+              </a:rPr>
+              <a:t>旨意</a:t>
+            </a:r>
+            <a:endParaRPr lang="en-US" altLang="zh-TW" sz="6400" b="1" dirty="0">
+              <a:solidFill>
+                <a:srgbClr val="660033"/>
+              </a:solidFill>
               <a:latin typeface="微軟正黑體" pitchFamily="34" charset="-120"/>
               <a:ea typeface="微軟正黑體" pitchFamily="34" charset="-120"/>
             </a:endParaRPr>
           </a:p>
-          <a:p>
-            <a:pPr algn="ctr">
-              <a:buNone/>
-            </a:pPr>
-            <a:r>
-              <a:rPr lang="zh-TW" altLang="en-US" sz="5400" b="1" dirty="0">
-                <a:latin typeface="微軟正黑體" pitchFamily="34" charset="-120"/>
-                <a:ea typeface="微軟正黑體" pitchFamily="34" charset="-120"/>
-              </a:rPr>
-              <a:t>使我得以勇敢向前行 </a:t>
-            </a:r>
-            <a:endParaRPr lang="en-US" altLang="zh-TW" sz="5400" b="1" dirty="0">
-              <a:latin typeface="微軟正黑體" pitchFamily="34" charset="-120"/>
-              <a:ea typeface="微軟正黑體" pitchFamily="34" charset="-120"/>
+        </p:txBody>
+      </p:sp>
+      <p:sp>
+        <p:nvSpPr>
+          <p:cNvPr id="3" name="TextBox 2"/>
+          <p:cNvSpPr txBox="1"/>
+          <p:nvPr/>
+        </p:nvSpPr>
+        <p:spPr>
+          <a:xfrm>
+            <a:off x="0" y="5157194"/>
+            <a:ext cx="12192000" cy="830997"/>
+          </a:xfrm>
+          <a:prstGeom prst="rect">
+            <a:avLst/>
+          </a:prstGeom>
+          <a:noFill/>
+        </p:spPr>
+        <p:txBody>
+          <a:bodyPr wrap="square" rtlCol="0">
+            <a:spAutoFit/>
+          </a:bodyPr>
+          <a:lstStyle/>
+          <a:p>
+            <a:pPr algn="ctr"/>
+            <a:r>
+              <a:rPr lang="en-US" sz="4800" b="1" dirty="0">
+                <a:solidFill>
+                  <a:srgbClr val="660033"/>
+                </a:solidFill>
+                <a:latin typeface="Microsoft JhengHei" panose="020B0604030504040204" pitchFamily="34" charset="-120"/>
+                <a:ea typeface="Microsoft JhengHei" panose="020B0604030504040204" pitchFamily="34" charset="-120"/>
+              </a:rPr>
+              <a:t>( </a:t>
+            </a:r>
+            <a:r>
+              <a:rPr lang="zh-CN" altLang="en-US" sz="4800" b="1" dirty="0" smtClean="0">
+                <a:solidFill>
+                  <a:srgbClr val="660033"/>
+                </a:solidFill>
+                <a:latin typeface="Microsoft JhengHei" panose="020B0604030504040204" pitchFamily="34" charset="-120"/>
+                <a:ea typeface="Microsoft JhengHei" panose="020B0604030504040204" pitchFamily="34" charset="-120"/>
+              </a:rPr>
+              <a:t>正 </a:t>
+            </a:r>
+            <a:r>
+              <a:rPr lang="en-US" sz="4800" b="1" dirty="0">
+                <a:solidFill>
+                  <a:srgbClr val="660033"/>
+                </a:solidFill>
+                <a:latin typeface="Microsoft JhengHei" panose="020B0604030504040204" pitchFamily="34" charset="-120"/>
+                <a:ea typeface="Microsoft JhengHei" panose="020B0604030504040204" pitchFamily="34" charset="-120"/>
+              </a:rPr>
+              <a:t>)</a:t>
+            </a:r>
+            <a:endParaRPr lang="vi-VN" sz="4800" b="1" dirty="0">
+              <a:solidFill>
+                <a:srgbClr val="660033"/>
+              </a:solidFill>
+              <a:ea typeface="Microsoft JhengHei" panose="020B0604030504040204" pitchFamily="34" charset="-120"/>
             </a:endParaRPr>
           </a:p>
-          <a:p>
-            <a:pPr algn="ctr">
-              <a:buNone/>
-            </a:pPr>
-            <a:r>
-              <a:rPr lang="zh-TW" altLang="en-US" sz="5400" b="1" dirty="0">
-                <a:latin typeface="微軟正黑體" pitchFamily="34" charset="-120"/>
-                <a:ea typeface="微軟正黑體" pitchFamily="34" charset="-120"/>
-              </a:rPr>
-              <a:t>因我知道有時我仍會軟弱</a:t>
-            </a:r>
-          </a:p>
-          <a:p>
-            <a:pPr algn="ctr">
-              <a:buNone/>
-            </a:pPr>
-            <a:r>
-              <a:rPr lang="zh-TW" altLang="en-US" sz="5400" b="1" dirty="0" smtClean="0">
-                <a:latin typeface="微軟正黑體" pitchFamily="34" charset="-120"/>
-                <a:ea typeface="微軟正黑體" pitchFamily="34" charset="-120"/>
-              </a:rPr>
-              <a:t>求</a:t>
-            </a:r>
-            <a:r>
-              <a:rPr lang="zh-CN" altLang="en-US" sz="5400" b="1" dirty="0">
-                <a:latin typeface="微軟正黑體" pitchFamily="34" charset="-120"/>
-                <a:ea typeface="微軟正黑體" pitchFamily="34" charset="-120"/>
-              </a:rPr>
-              <a:t>袮</a:t>
-            </a:r>
-            <a:r>
-              <a:rPr lang="zh-TW" altLang="en-US" sz="5400" b="1" dirty="0" smtClean="0">
-                <a:latin typeface="微軟正黑體" pitchFamily="34" charset="-120"/>
-                <a:ea typeface="微軟正黑體" pitchFamily="34" charset="-120"/>
-              </a:rPr>
-              <a:t>帶</a:t>
-            </a:r>
-            <a:r>
-              <a:rPr lang="zh-TW" altLang="en-US" sz="5400" b="1" dirty="0">
-                <a:latin typeface="微軟正黑體" pitchFamily="34" charset="-120"/>
-                <a:ea typeface="微軟正黑體" pitchFamily="34" charset="-120"/>
-              </a:rPr>
-              <a:t>領我 使我不會再退縮</a:t>
-            </a:r>
-          </a:p>
         </p:txBody>
       </p:sp>
     </p:spTree>
+    <p:extLst>
+      <p:ext uri="{BB962C8B-B14F-4D97-AF65-F5344CB8AC3E}">
+        <p14:creationId xmlns:p14="http://schemas.microsoft.com/office/powerpoint/2010/main" val="3305604035"/>
+      </p:ext>
+    </p:extLst>
   </p:cSld>
   <p:clrMapOvr>
     <a:masterClrMapping/>
@@ -3624,60 +3500,7 @@
       </p:grpSpPr>
       <p:sp>
         <p:nvSpPr>
-          <p:cNvPr id="2" name="標題 1"/>
-          <p:cNvSpPr>
-            <a:spLocks noGrp="1"/>
-          </p:cNvSpPr>
-          <p:nvPr>
-            <p:ph type="title"/>
-          </p:nvPr>
-        </p:nvSpPr>
-        <p:spPr/>
-        <p:txBody>
-          <a:bodyPr/>
-          <a:lstStyle/>
-          <a:p>
-            <a:r>
-              <a:rPr lang="zh-TW" altLang="en-US" b="1" dirty="0">
-                <a:latin typeface="微軟正黑體" pitchFamily="34" charset="-120"/>
-                <a:ea typeface="微軟正黑體" pitchFamily="34" charset="-120"/>
-              </a:rPr>
-              <a:t>我需要</a:t>
-            </a:r>
-            <a:r>
-              <a:rPr lang="zh-TW" altLang="en-US" b="1" dirty="0" smtClean="0">
-                <a:latin typeface="微軟正黑體" pitchFamily="34" charset="-120"/>
-                <a:ea typeface="微軟正黑體" pitchFamily="34" charset="-120"/>
-              </a:rPr>
-              <a:t>有</a:t>
-            </a:r>
-            <a:r>
-              <a:rPr lang="zh-CN" altLang="en-US" b="1" dirty="0">
-                <a:latin typeface="微軟正黑體" pitchFamily="34" charset="-120"/>
-                <a:ea typeface="微軟正黑體" pitchFamily="34" charset="-120"/>
-              </a:rPr>
-              <a:t>袮</a:t>
-            </a:r>
-            <a:r>
-              <a:rPr lang="zh-TW" altLang="en-US" b="1" dirty="0" smtClean="0">
-                <a:latin typeface="微軟正黑體" pitchFamily="34" charset="-120"/>
-                <a:ea typeface="微軟正黑體" pitchFamily="34" charset="-120"/>
-              </a:rPr>
-              <a:t>在</a:t>
-            </a:r>
-            <a:r>
-              <a:rPr lang="zh-TW" altLang="en-US" b="1" dirty="0">
-                <a:latin typeface="微軟正黑體" pitchFamily="34" charset="-120"/>
-                <a:ea typeface="微軟正黑體" pitchFamily="34" charset="-120"/>
-              </a:rPr>
-              <a:t>我生命中</a:t>
-            </a:r>
-          </a:p>
-        </p:txBody>
-      </p:sp>
-      <p:sp>
-        <p:nvSpPr>
-          <p:cNvPr id="3" name="內容版面配置區 2"/>
+          <p:cNvPr id="5" name="內容版面配置區 4"/>
           <p:cNvSpPr>
             <a:spLocks noGrp="1"/>
           </p:cNvSpPr>
@@ -3687,13 +3510,13 @@
         </p:nvSpPr>
         <p:spPr>
           <a:xfrm>
-            <a:off x="1524000" y="1600201"/>
-            <a:ext cx="9144000" cy="4525963"/>
+            <a:off x="0" y="2084853"/>
+            <a:ext cx="12192000" cy="2404863"/>
           </a:xfrm>
         </p:spPr>
         <p:txBody>
-          <a:bodyPr>
-            <a:noAutofit/>
+          <a:bodyPr anchor="ctr">
+            <a:normAutofit/>
           </a:bodyPr>
           <a:lstStyle/>
           <a:p>
@@ -3701,41 +3524,274 @@
               <a:buNone/>
             </a:pPr>
             <a:r>
-              <a:rPr lang="zh-TW" altLang="en-US" sz="5400" b="1" dirty="0">
-                <a:latin typeface="微軟正黑體" pitchFamily="34" charset="-120"/>
-                <a:ea typeface="微軟正黑體" pitchFamily="34" charset="-120"/>
-              </a:rPr>
-              <a:t>我需要</a:t>
-            </a:r>
-            <a:r>
-              <a:rPr lang="zh-TW" altLang="en-US" sz="5400" b="1" dirty="0" smtClean="0">
-                <a:latin typeface="微軟正黑體" pitchFamily="34" charset="-120"/>
-                <a:ea typeface="微軟正黑體" pitchFamily="34" charset="-120"/>
-              </a:rPr>
-              <a:t>有</a:t>
-            </a:r>
-            <a:r>
-              <a:rPr lang="zh-CN" altLang="en-US" sz="5400" b="1" dirty="0">
+              <a:rPr lang="zh-TW" altLang="en-US" sz="6400" b="1" dirty="0">
+                <a:solidFill>
+                  <a:srgbClr val="660033"/>
+                </a:solidFill>
+                <a:latin typeface="微軟正黑體" pitchFamily="34" charset="-120"/>
+                <a:ea typeface="微軟正黑體" pitchFamily="34" charset="-120"/>
+              </a:rPr>
+              <a:t>我願將</a:t>
+            </a:r>
+            <a:r>
+              <a:rPr lang="zh-CN" altLang="en-US" sz="6400" b="1" dirty="0">
+                <a:solidFill>
+                  <a:srgbClr val="660033"/>
+                </a:solidFill>
                 <a:latin typeface="微軟正黑體" pitchFamily="34" charset="-120"/>
                 <a:ea typeface="微軟正黑體" pitchFamily="34" charset="-120"/>
               </a:rPr>
               <a:t>袮</a:t>
             </a:r>
             <a:r>
-              <a:rPr lang="zh-TW" altLang="en-US" sz="5400" b="1" dirty="0" smtClean="0">
-                <a:latin typeface="微軟正黑體" pitchFamily="34" charset="-120"/>
-                <a:ea typeface="微軟正黑體" pitchFamily="34" charset="-120"/>
-              </a:rPr>
-              <a:t>在</a:t>
-            </a:r>
-            <a:r>
-              <a:rPr lang="zh-TW" altLang="en-US" sz="5400" b="1" dirty="0">
-                <a:latin typeface="微軟正黑體" pitchFamily="34" charset="-120"/>
-                <a:ea typeface="微軟正黑體" pitchFamily="34" charset="-120"/>
-              </a:rPr>
-              <a:t>我生命中 </a:t>
-            </a:r>
-            <a:endParaRPr lang="en-US" altLang="zh-TW" sz="5400" b="1" dirty="0">
+              <a:rPr lang="zh-TW" altLang="en-US" sz="6400" b="1" dirty="0">
+                <a:solidFill>
+                  <a:srgbClr val="660033"/>
+                </a:solidFill>
+                <a:latin typeface="微軟正黑體" pitchFamily="34" charset="-120"/>
+                <a:ea typeface="微軟正黑體" pitchFamily="34" charset="-120"/>
+              </a:rPr>
+              <a:t>話語深藏在我心</a:t>
+            </a:r>
+          </a:p>
+          <a:p>
+            <a:pPr algn="ctr">
+              <a:buNone/>
+            </a:pPr>
+            <a:r>
+              <a:rPr lang="zh-TW" altLang="en-US" sz="6400" b="1" dirty="0">
+                <a:solidFill>
+                  <a:srgbClr val="660033"/>
+                </a:solidFill>
+                <a:latin typeface="微軟正黑體" pitchFamily="34" charset="-120"/>
+                <a:ea typeface="微軟正黑體" pitchFamily="34" charset="-120"/>
+              </a:rPr>
+              <a:t>作路上的光 </a:t>
+            </a:r>
+            <a:r>
+              <a:rPr lang="zh-TW" altLang="en-US" sz="6400" b="1" dirty="0">
+                <a:solidFill>
+                  <a:srgbClr val="660033"/>
+                </a:solidFill>
+                <a:latin typeface="微軟正黑體" pitchFamily="34" charset="-120"/>
+                <a:ea typeface="微軟正黑體" pitchFamily="34" charset="-120"/>
+              </a:rPr>
+              <a:t> 成</a:t>
+            </a:r>
+            <a:r>
+              <a:rPr lang="zh-TW" altLang="en-US" sz="6400" b="1" dirty="0">
+                <a:solidFill>
+                  <a:srgbClr val="660033"/>
+                </a:solidFill>
+                <a:latin typeface="微軟正黑體" pitchFamily="34" charset="-120"/>
+                <a:ea typeface="微軟正黑體" pitchFamily="34" charset="-120"/>
+              </a:rPr>
+              <a:t>為我腳前的燈</a:t>
+            </a:r>
+          </a:p>
+        </p:txBody>
+      </p:sp>
+      <p:sp>
+        <p:nvSpPr>
+          <p:cNvPr id="3" name="TextBox 2"/>
+          <p:cNvSpPr txBox="1"/>
+          <p:nvPr/>
+        </p:nvSpPr>
+        <p:spPr>
+          <a:xfrm>
+            <a:off x="0" y="5157194"/>
+            <a:ext cx="12192000" cy="830997"/>
+          </a:xfrm>
+          <a:prstGeom prst="rect">
+            <a:avLst/>
+          </a:prstGeom>
+          <a:noFill/>
+        </p:spPr>
+        <p:txBody>
+          <a:bodyPr wrap="square" rtlCol="0">
+            <a:spAutoFit/>
+          </a:bodyPr>
+          <a:lstStyle/>
+          <a:p>
+            <a:pPr algn="ctr"/>
+            <a:r>
+              <a:rPr lang="en-US" sz="4800" b="1" smtClean="0">
+                <a:solidFill>
+                  <a:srgbClr val="660033"/>
+                </a:solidFill>
+                <a:latin typeface="Microsoft JhengHei" panose="020B0604030504040204" pitchFamily="34" charset="-120"/>
+                <a:ea typeface="Microsoft JhengHei" panose="020B0604030504040204" pitchFamily="34" charset="-120"/>
+              </a:rPr>
+              <a:t>( </a:t>
+            </a:r>
+            <a:r>
+              <a:rPr lang="zh-CN" altLang="en-US" sz="4800" b="1" smtClean="0">
+                <a:solidFill>
+                  <a:srgbClr val="660033"/>
+                </a:solidFill>
+                <a:latin typeface="Microsoft JhengHei" panose="020B0604030504040204" pitchFamily="34" charset="-120"/>
+                <a:ea typeface="Microsoft JhengHei" panose="020B0604030504040204" pitchFamily="34" charset="-120"/>
+              </a:rPr>
+              <a:t>正 </a:t>
+            </a:r>
+            <a:r>
+              <a:rPr lang="en-US" sz="4800" b="1" smtClean="0">
+                <a:solidFill>
+                  <a:srgbClr val="660033"/>
+                </a:solidFill>
+                <a:latin typeface="Microsoft JhengHei" panose="020B0604030504040204" pitchFamily="34" charset="-120"/>
+                <a:ea typeface="Microsoft JhengHei" panose="020B0604030504040204" pitchFamily="34" charset="-120"/>
+              </a:rPr>
+              <a:t>)</a:t>
+            </a:r>
+            <a:endParaRPr lang="vi-VN" sz="4800" b="1" dirty="0">
+              <a:solidFill>
+                <a:srgbClr val="660033"/>
+              </a:solidFill>
+              <a:ea typeface="Microsoft JhengHei" panose="020B0604030504040204" pitchFamily="34" charset="-120"/>
+            </a:endParaRPr>
+          </a:p>
+        </p:txBody>
+      </p:sp>
+    </p:spTree>
+    <p:extLst>
+      <p:ext uri="{BB962C8B-B14F-4D97-AF65-F5344CB8AC3E}">
+        <p14:creationId xmlns:p14="http://schemas.microsoft.com/office/powerpoint/2010/main" val="2104074409"/>
+      </p:ext>
+    </p:extLst>
+  </p:cSld>
+  <p:clrMapOvr>
+    <a:masterClrMapping/>
+  </p:clrMapOvr>
+</p:sld>
+</file>
+
+<file path=ppt/slides/slide4.xml><?xml version="1.0" encoding="utf-8"?>
+<p:sld xmlns:a="http://schemas.openxmlformats.org/drawingml/2006/main" xmlns:r="http://schemas.openxmlformats.org/officeDocument/2006/relationships" xmlns:p="http://schemas.openxmlformats.org/presentationml/2006/main">
+  <p:cSld>
+    <p:spTree>
+      <p:nvGrpSpPr>
+        <p:cNvPr id="1" name=""/>
+        <p:cNvGrpSpPr/>
+        <p:nvPr/>
+      </p:nvGrpSpPr>
+      <p:grpSpPr>
+        <a:xfrm>
+          <a:off x="0" y="0"/>
+          <a:ext cx="0" cy="0"/>
+          <a:chOff x="0" y="0"/>
+          <a:chExt cx="0" cy="0"/>
+        </a:xfrm>
+      </p:grpSpPr>
+      <p:sp>
+        <p:nvSpPr>
+          <p:cNvPr id="5" name="內容版面配置區 4"/>
+          <p:cNvSpPr>
+            <a:spLocks noGrp="1"/>
+          </p:cNvSpPr>
+          <p:nvPr>
+            <p:ph idx="1"/>
+          </p:nvPr>
+        </p:nvSpPr>
+        <p:spPr>
+          <a:xfrm>
+            <a:off x="0" y="2084853"/>
+            <a:ext cx="12192000" cy="2404863"/>
+          </a:xfrm>
+        </p:spPr>
+        <p:txBody>
+          <a:bodyPr anchor="ctr">
+            <a:normAutofit/>
+          </a:bodyPr>
+          <a:lstStyle/>
+          <a:p>
+            <a:pPr algn="ctr">
+              <a:buNone/>
+            </a:pPr>
+            <a:r>
+              <a:rPr lang="zh-TW" altLang="en-US" sz="6400" b="1" dirty="0">
+                <a:solidFill>
+                  <a:srgbClr val="660033"/>
+                </a:solidFill>
+                <a:latin typeface="微軟正黑體" pitchFamily="34" charset="-120"/>
+                <a:ea typeface="微軟正黑體" pitchFamily="34" charset="-120"/>
+              </a:rPr>
+              <a:t>哦主 </a:t>
+            </a:r>
+            <a:r>
+              <a:rPr lang="zh-TW" altLang="en-US" sz="6400" b="1" dirty="0">
+                <a:solidFill>
+                  <a:srgbClr val="660033"/>
+                </a:solidFill>
+                <a:latin typeface="微軟正黑體" pitchFamily="34" charset="-120"/>
+                <a:ea typeface="微軟正黑體" pitchFamily="34" charset="-120"/>
+              </a:rPr>
+              <a:t> 求</a:t>
+            </a:r>
+            <a:r>
+              <a:rPr lang="zh-CN" altLang="en-US" sz="6400" b="1" dirty="0">
+                <a:solidFill>
+                  <a:srgbClr val="660033"/>
+                </a:solidFill>
+                <a:latin typeface="微軟正黑體" pitchFamily="34" charset="-120"/>
+                <a:ea typeface="微軟正黑體" pitchFamily="34" charset="-120"/>
+              </a:rPr>
+              <a:t>袮</a:t>
+            </a:r>
+            <a:r>
+              <a:rPr lang="zh-TW" altLang="en-US" sz="6400" b="1" dirty="0">
+                <a:solidFill>
+                  <a:srgbClr val="660033"/>
+                </a:solidFill>
+                <a:latin typeface="微軟正黑體" pitchFamily="34" charset="-120"/>
+                <a:ea typeface="微軟正黑體" pitchFamily="34" charset="-120"/>
+              </a:rPr>
+              <a:t>堅</a:t>
+            </a:r>
+            <a:r>
+              <a:rPr lang="zh-TW" altLang="en-US" sz="6400" b="1" dirty="0" smtClean="0">
+                <a:solidFill>
+                  <a:srgbClr val="660033"/>
+                </a:solidFill>
+                <a:latin typeface="微軟正黑體" pitchFamily="34" charset="-120"/>
+                <a:ea typeface="微軟正黑體" pitchFamily="34" charset="-120"/>
+              </a:rPr>
+              <a:t>固我</a:t>
+            </a:r>
+            <a:r>
+              <a:rPr lang="zh-TW" altLang="en-US" sz="6400" b="1" dirty="0">
+                <a:solidFill>
+                  <a:srgbClr val="660033"/>
+                </a:solidFill>
+                <a:latin typeface="微軟正黑體" pitchFamily="34" charset="-120"/>
+                <a:ea typeface="微軟正黑體" pitchFamily="34" charset="-120"/>
+              </a:rPr>
+              <a:t>信</a:t>
+            </a:r>
+            <a:r>
+              <a:rPr lang="zh-TW" altLang="en-US" sz="6400" b="1" dirty="0" smtClean="0">
+                <a:solidFill>
+                  <a:srgbClr val="660033"/>
+                </a:solidFill>
+                <a:latin typeface="微軟正黑體" pitchFamily="34" charset="-120"/>
+                <a:ea typeface="微軟正黑體" pitchFamily="34" charset="-120"/>
+              </a:rPr>
+              <a:t>心  我</a:t>
+            </a:r>
+            <a:r>
+              <a:rPr lang="zh-TW" altLang="en-US" sz="6400" b="1" dirty="0">
+                <a:solidFill>
+                  <a:srgbClr val="660033"/>
+                </a:solidFill>
+                <a:latin typeface="微軟正黑體" pitchFamily="34" charset="-120"/>
+                <a:ea typeface="微軟正黑體" pitchFamily="34" charset="-120"/>
+              </a:rPr>
+              <a:t>的力量 </a:t>
+            </a:r>
+            <a:endParaRPr lang="en-US" altLang="zh-TW" sz="6400" b="1" dirty="0">
+              <a:solidFill>
+                <a:srgbClr val="660033"/>
+              </a:solidFill>
               <a:latin typeface="微軟正黑體" pitchFamily="34" charset="-120"/>
               <a:ea typeface="微軟正黑體" pitchFamily="34" charset="-120"/>
             </a:endParaRPr>
@@ -3745,41 +3801,354 @@
               <a:buNone/>
             </a:pPr>
             <a:r>
-              <a:rPr lang="zh-TW" altLang="en-US" sz="5400" b="1" dirty="0">
-                <a:latin typeface="微軟正黑體" pitchFamily="34" charset="-120"/>
-                <a:ea typeface="微軟正黑體" pitchFamily="34" charset="-120"/>
-              </a:rPr>
-              <a:t>好讓我一生能</a:t>
-            </a:r>
-            <a:r>
-              <a:rPr lang="zh-TW" altLang="en-US" sz="5400" b="1" dirty="0" smtClean="0">
-                <a:latin typeface="微軟正黑體" pitchFamily="34" charset="-120"/>
-                <a:ea typeface="微軟正黑體" pitchFamily="34" charset="-120"/>
-              </a:rPr>
-              <a:t>學</a:t>
-            </a:r>
-            <a:r>
-              <a:rPr lang="zh-CN" altLang="en-US" sz="5400" b="1" dirty="0">
+              <a:rPr lang="zh-TW" altLang="en-US" sz="6400" b="1" dirty="0">
+                <a:solidFill>
+                  <a:srgbClr val="660033"/>
+                </a:solidFill>
+                <a:latin typeface="微軟正黑體" pitchFamily="34" charset="-120"/>
+                <a:ea typeface="微軟正黑體" pitchFamily="34" charset="-120"/>
+              </a:rPr>
+              <a:t>使我得以勇敢向前行</a:t>
+            </a:r>
+          </a:p>
+        </p:txBody>
+      </p:sp>
+      <p:sp>
+        <p:nvSpPr>
+          <p:cNvPr id="3" name="TextBox 2"/>
+          <p:cNvSpPr txBox="1"/>
+          <p:nvPr/>
+        </p:nvSpPr>
+        <p:spPr>
+          <a:xfrm>
+            <a:off x="0" y="5157194"/>
+            <a:ext cx="12192000" cy="830997"/>
+          </a:xfrm>
+          <a:prstGeom prst="rect">
+            <a:avLst/>
+          </a:prstGeom>
+          <a:noFill/>
+        </p:spPr>
+        <p:txBody>
+          <a:bodyPr wrap="square" rtlCol="0">
+            <a:spAutoFit/>
+          </a:bodyPr>
+          <a:lstStyle/>
+          <a:p>
+            <a:pPr algn="ctr"/>
+            <a:r>
+              <a:rPr lang="en-US" sz="4800" b="1" dirty="0">
+                <a:solidFill>
+                  <a:srgbClr val="660033"/>
+                </a:solidFill>
+                <a:latin typeface="Microsoft JhengHei" panose="020B0604030504040204" pitchFamily="34" charset="-120"/>
+                <a:ea typeface="Microsoft JhengHei" panose="020B0604030504040204" pitchFamily="34" charset="-120"/>
+              </a:rPr>
+              <a:t>( </a:t>
+            </a:r>
+            <a:r>
+              <a:rPr lang="zh-CN" altLang="en-US" sz="4800" b="1" dirty="0" smtClean="0">
+                <a:solidFill>
+                  <a:srgbClr val="660033"/>
+                </a:solidFill>
+                <a:latin typeface="Microsoft JhengHei" panose="020B0604030504040204" pitchFamily="34" charset="-120"/>
+                <a:ea typeface="Microsoft JhengHei" panose="020B0604030504040204" pitchFamily="34" charset="-120"/>
+              </a:rPr>
+              <a:t>正 </a:t>
+            </a:r>
+            <a:r>
+              <a:rPr lang="en-US" sz="4800" b="1" dirty="0">
+                <a:solidFill>
+                  <a:srgbClr val="660033"/>
+                </a:solidFill>
+                <a:latin typeface="Microsoft JhengHei" panose="020B0604030504040204" pitchFamily="34" charset="-120"/>
+                <a:ea typeface="Microsoft JhengHei" panose="020B0604030504040204" pitchFamily="34" charset="-120"/>
+              </a:rPr>
+              <a:t>)</a:t>
+            </a:r>
+            <a:endParaRPr lang="vi-VN" sz="4800" b="1" dirty="0">
+              <a:solidFill>
+                <a:srgbClr val="660033"/>
+              </a:solidFill>
+              <a:ea typeface="Microsoft JhengHei" panose="020B0604030504040204" pitchFamily="34" charset="-120"/>
+            </a:endParaRPr>
+          </a:p>
+        </p:txBody>
+      </p:sp>
+    </p:spTree>
+    <p:extLst>
+      <p:ext uri="{BB962C8B-B14F-4D97-AF65-F5344CB8AC3E}">
+        <p14:creationId xmlns:p14="http://schemas.microsoft.com/office/powerpoint/2010/main" val="893705007"/>
+      </p:ext>
+    </p:extLst>
+  </p:cSld>
+  <p:clrMapOvr>
+    <a:masterClrMapping/>
+  </p:clrMapOvr>
+</p:sld>
+</file>
+
+<file path=ppt/slides/slide5.xml><?xml version="1.0" encoding="utf-8"?>
+<p:sld xmlns:a="http://schemas.openxmlformats.org/drawingml/2006/main" xmlns:r="http://schemas.openxmlformats.org/officeDocument/2006/relationships" xmlns:p="http://schemas.openxmlformats.org/presentationml/2006/main">
+  <p:cSld>
+    <p:spTree>
+      <p:nvGrpSpPr>
+        <p:cNvPr id="1" name=""/>
+        <p:cNvGrpSpPr/>
+        <p:nvPr/>
+      </p:nvGrpSpPr>
+      <p:grpSpPr>
+        <a:xfrm>
+          <a:off x="0" y="0"/>
+          <a:ext cx="0" cy="0"/>
+          <a:chOff x="0" y="0"/>
+          <a:chExt cx="0" cy="0"/>
+        </a:xfrm>
+      </p:grpSpPr>
+      <p:sp>
+        <p:nvSpPr>
+          <p:cNvPr id="5" name="內容版面配置區 4"/>
+          <p:cNvSpPr>
+            <a:spLocks noGrp="1"/>
+          </p:cNvSpPr>
+          <p:nvPr>
+            <p:ph idx="1"/>
+          </p:nvPr>
+        </p:nvSpPr>
+        <p:spPr>
+          <a:xfrm>
+            <a:off x="0" y="2084853"/>
+            <a:ext cx="12192000" cy="2404863"/>
+          </a:xfrm>
+        </p:spPr>
+        <p:txBody>
+          <a:bodyPr anchor="ctr">
+            <a:normAutofit/>
+          </a:bodyPr>
+          <a:lstStyle/>
+          <a:p>
+            <a:pPr algn="ctr">
+              <a:buNone/>
+            </a:pPr>
+            <a:r>
+              <a:rPr lang="zh-TW" altLang="en-US" sz="6400" b="1" dirty="0">
+                <a:solidFill>
+                  <a:srgbClr val="660033"/>
+                </a:solidFill>
+                <a:latin typeface="微軟正黑體" pitchFamily="34" charset="-120"/>
+                <a:ea typeface="微軟正黑體" pitchFamily="34" charset="-120"/>
+              </a:rPr>
+              <a:t>因我知道有時我仍會軟弱</a:t>
+            </a:r>
+          </a:p>
+          <a:p>
+            <a:pPr algn="ctr">
+              <a:buNone/>
+            </a:pPr>
+            <a:r>
+              <a:rPr lang="zh-TW" altLang="en-US" sz="6400" b="1" dirty="0">
+                <a:solidFill>
+                  <a:srgbClr val="660033"/>
+                </a:solidFill>
+                <a:latin typeface="微軟正黑體" pitchFamily="34" charset="-120"/>
+                <a:ea typeface="微軟正黑體" pitchFamily="34" charset="-120"/>
+              </a:rPr>
+              <a:t>求</a:t>
+            </a:r>
+            <a:r>
+              <a:rPr lang="zh-CN" altLang="en-US" sz="6400" b="1" dirty="0">
+                <a:solidFill>
+                  <a:srgbClr val="660033"/>
+                </a:solidFill>
                 <a:latin typeface="微軟正黑體" pitchFamily="34" charset="-120"/>
                 <a:ea typeface="微軟正黑體" pitchFamily="34" charset="-120"/>
               </a:rPr>
               <a:t>袮</a:t>
             </a:r>
             <a:r>
-              <a:rPr lang="zh-TW" altLang="en-US" sz="5400" b="1" dirty="0" smtClean="0">
-                <a:latin typeface="微軟正黑體" pitchFamily="34" charset="-120"/>
-                <a:ea typeface="微軟正黑體" pitchFamily="34" charset="-120"/>
-              </a:rPr>
-              <a:t>的</a:t>
-            </a:r>
-            <a:r>
-              <a:rPr lang="zh-TW" altLang="en-US" sz="5400" b="1" dirty="0">
-                <a:latin typeface="微軟正黑體" pitchFamily="34" charset="-120"/>
-                <a:ea typeface="微軟正黑體" pitchFamily="34" charset="-120"/>
-              </a:rPr>
-              <a:t>樣式 </a:t>
-            </a:r>
-            <a:endParaRPr lang="en-US" altLang="zh-TW" sz="5400" b="1" dirty="0">
+              <a:rPr lang="zh-TW" altLang="en-US" sz="6400" b="1" dirty="0">
+                <a:solidFill>
+                  <a:srgbClr val="660033"/>
+                </a:solidFill>
+                <a:latin typeface="微軟正黑體" pitchFamily="34" charset="-120"/>
+                <a:ea typeface="微軟正黑體" pitchFamily="34" charset="-120"/>
+              </a:rPr>
+              <a:t>帶領我 </a:t>
+            </a:r>
+            <a:r>
+              <a:rPr lang="zh-TW" altLang="en-US" sz="6400" b="1" dirty="0">
+                <a:solidFill>
+                  <a:srgbClr val="660033"/>
+                </a:solidFill>
+                <a:latin typeface="微軟正黑體" pitchFamily="34" charset="-120"/>
+                <a:ea typeface="微軟正黑體" pitchFamily="34" charset="-120"/>
+              </a:rPr>
+              <a:t> 使</a:t>
+            </a:r>
+            <a:r>
+              <a:rPr lang="zh-TW" altLang="en-US" sz="6400" b="1" dirty="0">
+                <a:solidFill>
+                  <a:srgbClr val="660033"/>
+                </a:solidFill>
+                <a:latin typeface="微軟正黑體" pitchFamily="34" charset="-120"/>
+                <a:ea typeface="微軟正黑體" pitchFamily="34" charset="-120"/>
+              </a:rPr>
+              <a:t>我不會再退縮</a:t>
+            </a:r>
+          </a:p>
+        </p:txBody>
+      </p:sp>
+      <p:sp>
+        <p:nvSpPr>
+          <p:cNvPr id="3" name="TextBox 2"/>
+          <p:cNvSpPr txBox="1"/>
+          <p:nvPr/>
+        </p:nvSpPr>
+        <p:spPr>
+          <a:xfrm>
+            <a:off x="0" y="5157194"/>
+            <a:ext cx="12192000" cy="830997"/>
+          </a:xfrm>
+          <a:prstGeom prst="rect">
+            <a:avLst/>
+          </a:prstGeom>
+          <a:noFill/>
+        </p:spPr>
+        <p:txBody>
+          <a:bodyPr wrap="square" rtlCol="0">
+            <a:spAutoFit/>
+          </a:bodyPr>
+          <a:lstStyle/>
+          <a:p>
+            <a:pPr algn="ctr"/>
+            <a:r>
+              <a:rPr lang="en-US" sz="4800" b="1" dirty="0" smtClean="0">
+                <a:solidFill>
+                  <a:srgbClr val="660033"/>
+                </a:solidFill>
+                <a:latin typeface="Microsoft JhengHei" panose="020B0604030504040204" pitchFamily="34" charset="-120"/>
+                <a:ea typeface="Microsoft JhengHei" panose="020B0604030504040204" pitchFamily="34" charset="-120"/>
+              </a:rPr>
+              <a:t>( </a:t>
+            </a:r>
+            <a:r>
+              <a:rPr lang="zh-CN" altLang="en-US" sz="4800" b="1" dirty="0" smtClean="0">
+                <a:solidFill>
+                  <a:srgbClr val="660033"/>
+                </a:solidFill>
+                <a:latin typeface="Microsoft JhengHei" panose="020B0604030504040204" pitchFamily="34" charset="-120"/>
+                <a:ea typeface="Microsoft JhengHei" panose="020B0604030504040204" pitchFamily="34" charset="-120"/>
+              </a:rPr>
+              <a:t>正 </a:t>
+            </a:r>
+            <a:r>
+              <a:rPr lang="en-US" sz="4800" b="1" dirty="0" smtClean="0">
+                <a:solidFill>
+                  <a:srgbClr val="660033"/>
+                </a:solidFill>
+                <a:latin typeface="Microsoft JhengHei" panose="020B0604030504040204" pitchFamily="34" charset="-120"/>
+                <a:ea typeface="Microsoft JhengHei" panose="020B0604030504040204" pitchFamily="34" charset="-120"/>
+              </a:rPr>
+              <a:t>)</a:t>
+            </a:r>
+            <a:endParaRPr lang="vi-VN" sz="4800" b="1" dirty="0">
+              <a:solidFill>
+                <a:srgbClr val="660033"/>
+              </a:solidFill>
+              <a:ea typeface="Microsoft JhengHei" panose="020B0604030504040204" pitchFamily="34" charset="-120"/>
+            </a:endParaRPr>
+          </a:p>
+        </p:txBody>
+      </p:sp>
+    </p:spTree>
+    <p:extLst>
+      <p:ext uri="{BB962C8B-B14F-4D97-AF65-F5344CB8AC3E}">
+        <p14:creationId xmlns:p14="http://schemas.microsoft.com/office/powerpoint/2010/main" val="2723771421"/>
+      </p:ext>
+    </p:extLst>
+  </p:cSld>
+  <p:clrMapOvr>
+    <a:masterClrMapping/>
+  </p:clrMapOvr>
+</p:sld>
+</file>
+
+<file path=ppt/slides/slide6.xml><?xml version="1.0" encoding="utf-8"?>
+<p:sld xmlns:a="http://schemas.openxmlformats.org/drawingml/2006/main" xmlns:r="http://schemas.openxmlformats.org/officeDocument/2006/relationships" xmlns:p="http://schemas.openxmlformats.org/presentationml/2006/main">
+  <p:cSld>
+    <p:spTree>
+      <p:nvGrpSpPr>
+        <p:cNvPr id="1" name=""/>
+        <p:cNvGrpSpPr/>
+        <p:nvPr/>
+      </p:nvGrpSpPr>
+      <p:grpSpPr>
+        <a:xfrm>
+          <a:off x="0" y="0"/>
+          <a:ext cx="0" cy="0"/>
+          <a:chOff x="0" y="0"/>
+          <a:chExt cx="0" cy="0"/>
+        </a:xfrm>
+      </p:grpSpPr>
+      <p:sp>
+        <p:nvSpPr>
+          <p:cNvPr id="5" name="內容版面配置區 4"/>
+          <p:cNvSpPr>
+            <a:spLocks noGrp="1"/>
+          </p:cNvSpPr>
+          <p:nvPr>
+            <p:ph idx="1"/>
+          </p:nvPr>
+        </p:nvSpPr>
+        <p:spPr>
+          <a:xfrm>
+            <a:off x="0" y="2084853"/>
+            <a:ext cx="12192000" cy="2404863"/>
+          </a:xfrm>
+        </p:spPr>
+        <p:txBody>
+          <a:bodyPr anchor="ctr">
+            <a:normAutofit/>
+          </a:bodyPr>
+          <a:lstStyle/>
+          <a:p>
+            <a:pPr algn="ctr">
+              <a:buNone/>
+            </a:pPr>
+            <a:r>
+              <a:rPr lang="zh-TW" altLang="en-US" sz="6400" b="1" dirty="0">
+                <a:solidFill>
+                  <a:srgbClr val="660033"/>
+                </a:solidFill>
+                <a:latin typeface="微軟正黑體" pitchFamily="34" charset="-120"/>
+                <a:ea typeface="微軟正黑體" pitchFamily="34" charset="-120"/>
+              </a:rPr>
+              <a:t>我需要有</a:t>
+            </a:r>
+            <a:r>
+              <a:rPr lang="zh-CN" altLang="en-US" sz="6400" b="1" dirty="0">
+                <a:solidFill>
+                  <a:srgbClr val="660033"/>
+                </a:solidFill>
+                <a:latin typeface="微軟正黑體" pitchFamily="34" charset="-120"/>
+                <a:ea typeface="微軟正黑體" pitchFamily="34" charset="-120"/>
+              </a:rPr>
+              <a:t>袮</a:t>
+            </a:r>
+            <a:r>
+              <a:rPr lang="zh-TW" altLang="en-US" sz="6400" b="1" dirty="0">
+                <a:solidFill>
+                  <a:srgbClr val="660033"/>
+                </a:solidFill>
+                <a:latin typeface="微軟正黑體" pitchFamily="34" charset="-120"/>
+                <a:ea typeface="微軟正黑體" pitchFamily="34" charset="-120"/>
+              </a:rPr>
+              <a:t>在我生命中 </a:t>
+            </a:r>
+            <a:endParaRPr lang="en-US" altLang="zh-TW" sz="6400" b="1" dirty="0">
+              <a:solidFill>
+                <a:srgbClr val="660033"/>
+              </a:solidFill>
               <a:latin typeface="微軟正黑體" pitchFamily="34" charset="-120"/>
               <a:ea typeface="微軟正黑體" pitchFamily="34" charset="-120"/>
             </a:endParaRPr>
@@ -3789,84 +4158,311 @@
               <a:buNone/>
             </a:pPr>
             <a:r>
-              <a:rPr lang="zh-TW" altLang="en-US" sz="5400" b="1" dirty="0">
-                <a:latin typeface="微軟正黑體" pitchFamily="34" charset="-120"/>
-                <a:ea typeface="微軟正黑體" pitchFamily="34" charset="-120"/>
-              </a:rPr>
-              <a:t>使我能成</a:t>
-            </a:r>
-            <a:r>
-              <a:rPr lang="zh-TW" altLang="en-US" sz="5400" b="1" dirty="0" smtClean="0">
-                <a:latin typeface="微軟正黑體" pitchFamily="34" charset="-120"/>
-                <a:ea typeface="微軟正黑體" pitchFamily="34" charset="-120"/>
-              </a:rPr>
-              <a:t>為</a:t>
-            </a:r>
-            <a:r>
-              <a:rPr lang="zh-CN" altLang="en-US" sz="5400" b="1" dirty="0">
+              <a:rPr lang="zh-TW" altLang="en-US" sz="6400" b="1" dirty="0">
+                <a:solidFill>
+                  <a:srgbClr val="660033"/>
+                </a:solidFill>
+                <a:latin typeface="微軟正黑體" pitchFamily="34" charset="-120"/>
+                <a:ea typeface="微軟正黑體" pitchFamily="34" charset="-120"/>
+              </a:rPr>
+              <a:t>好讓我一生能學</a:t>
+            </a:r>
+            <a:r>
+              <a:rPr lang="zh-CN" altLang="en-US" sz="6400" b="1" dirty="0">
+                <a:solidFill>
+                  <a:srgbClr val="660033"/>
+                </a:solidFill>
                 <a:latin typeface="微軟正黑體" pitchFamily="34" charset="-120"/>
                 <a:ea typeface="微軟正黑體" pitchFamily="34" charset="-120"/>
               </a:rPr>
               <a:t>袮</a:t>
             </a:r>
             <a:r>
-              <a:rPr lang="zh-TW" altLang="en-US" sz="5400" b="1" dirty="0" smtClean="0">
-                <a:latin typeface="微軟正黑體" pitchFamily="34" charset="-120"/>
-                <a:ea typeface="微軟正黑體" pitchFamily="34" charset="-120"/>
-              </a:rPr>
-              <a:t>所</a:t>
-            </a:r>
-            <a:r>
-              <a:rPr lang="zh-TW" altLang="en-US" sz="5400" b="1" dirty="0">
-                <a:latin typeface="微軟正黑體" pitchFamily="34" charset="-120"/>
-                <a:ea typeface="微軟正黑體" pitchFamily="34" charset="-120"/>
-              </a:rPr>
-              <a:t>喜悅的兒女</a:t>
-            </a:r>
-          </a:p>
+              <a:rPr lang="zh-TW" altLang="en-US" sz="6400" b="1" dirty="0">
+                <a:solidFill>
+                  <a:srgbClr val="660033"/>
+                </a:solidFill>
+                <a:latin typeface="微軟正黑體" pitchFamily="34" charset="-120"/>
+                <a:ea typeface="微軟正黑體" pitchFamily="34" charset="-120"/>
+              </a:rPr>
+              <a:t>的樣式</a:t>
+            </a:r>
+          </a:p>
+        </p:txBody>
+      </p:sp>
+      <p:sp>
+        <p:nvSpPr>
+          <p:cNvPr id="3" name="TextBox 2"/>
+          <p:cNvSpPr txBox="1"/>
+          <p:nvPr/>
+        </p:nvSpPr>
+        <p:spPr>
+          <a:xfrm>
+            <a:off x="0" y="5157194"/>
+            <a:ext cx="12192000" cy="830997"/>
+          </a:xfrm>
+          <a:prstGeom prst="rect">
+            <a:avLst/>
+          </a:prstGeom>
+          <a:noFill/>
+        </p:spPr>
+        <p:txBody>
+          <a:bodyPr wrap="square" rtlCol="0">
+            <a:spAutoFit/>
+          </a:bodyPr>
+          <a:lstStyle/>
+          <a:p>
+            <a:pPr algn="ctr"/>
+            <a:r>
+              <a:rPr lang="en-US" sz="4800" b="1" dirty="0" smtClean="0">
+                <a:solidFill>
+                  <a:srgbClr val="660033"/>
+                </a:solidFill>
+                <a:latin typeface="Microsoft JhengHei" panose="020B0604030504040204" pitchFamily="34" charset="-120"/>
+                <a:ea typeface="Microsoft JhengHei" panose="020B0604030504040204" pitchFamily="34" charset="-120"/>
+              </a:rPr>
+              <a:t>( </a:t>
+            </a:r>
+            <a:r>
+              <a:rPr lang="zh-CN" altLang="en-US" sz="4800" b="1" dirty="0" smtClean="0">
+                <a:solidFill>
+                  <a:srgbClr val="660033"/>
+                </a:solidFill>
+                <a:latin typeface="Microsoft JhengHei" panose="020B0604030504040204" pitchFamily="34" charset="-120"/>
+                <a:ea typeface="Microsoft JhengHei" panose="020B0604030504040204" pitchFamily="34" charset="-120"/>
+              </a:rPr>
+              <a:t>副 </a:t>
+            </a:r>
+            <a:r>
+              <a:rPr lang="en-US" sz="4800" b="1" dirty="0" smtClean="0">
+                <a:solidFill>
+                  <a:srgbClr val="660033"/>
+                </a:solidFill>
+                <a:latin typeface="Microsoft JhengHei" panose="020B0604030504040204" pitchFamily="34" charset="-120"/>
+                <a:ea typeface="Microsoft JhengHei" panose="020B0604030504040204" pitchFamily="34" charset="-120"/>
+              </a:rPr>
+              <a:t>)</a:t>
+            </a:r>
+            <a:endParaRPr lang="vi-VN" sz="4800" b="1" dirty="0">
+              <a:solidFill>
+                <a:srgbClr val="660033"/>
+              </a:solidFill>
+              <a:ea typeface="Microsoft JhengHei" panose="020B0604030504040204" pitchFamily="34" charset="-120"/>
+            </a:endParaRPr>
+          </a:p>
+        </p:txBody>
+      </p:sp>
+    </p:spTree>
+    <p:extLst>
+      <p:ext uri="{BB962C8B-B14F-4D97-AF65-F5344CB8AC3E}">
+        <p14:creationId xmlns:p14="http://schemas.microsoft.com/office/powerpoint/2010/main" val="3541459039"/>
+      </p:ext>
+    </p:extLst>
+  </p:cSld>
+  <p:clrMapOvr>
+    <a:masterClrMapping/>
+  </p:clrMapOvr>
+</p:sld>
+</file>
+
+<file path=ppt/slides/slide7.xml><?xml version="1.0" encoding="utf-8"?>
+<p:sld xmlns:a="http://schemas.openxmlformats.org/drawingml/2006/main" xmlns:r="http://schemas.openxmlformats.org/officeDocument/2006/relationships" xmlns:p="http://schemas.openxmlformats.org/presentationml/2006/main">
+  <p:cSld>
+    <p:spTree>
+      <p:nvGrpSpPr>
+        <p:cNvPr id="1" name=""/>
+        <p:cNvGrpSpPr/>
+        <p:nvPr/>
+      </p:nvGrpSpPr>
+      <p:grpSpPr>
+        <a:xfrm>
+          <a:off x="0" y="0"/>
+          <a:ext cx="0" cy="0"/>
+          <a:chOff x="0" y="0"/>
+          <a:chExt cx="0" cy="0"/>
+        </a:xfrm>
+      </p:grpSpPr>
+      <p:sp>
+        <p:nvSpPr>
+          <p:cNvPr id="5" name="內容版面配置區 4"/>
+          <p:cNvSpPr>
+            <a:spLocks noGrp="1"/>
+          </p:cNvSpPr>
+          <p:nvPr>
+            <p:ph idx="1"/>
+          </p:nvPr>
+        </p:nvSpPr>
+        <p:spPr>
+          <a:xfrm>
+            <a:off x="0" y="2084853"/>
+            <a:ext cx="12192000" cy="2404863"/>
+          </a:xfrm>
+        </p:spPr>
+        <p:txBody>
+          <a:bodyPr anchor="ctr">
+            <a:normAutofit/>
+          </a:bodyPr>
+          <a:lstStyle/>
           <a:p>
             <a:pPr algn="ctr">
               <a:buNone/>
             </a:pPr>
             <a:r>
-              <a:rPr lang="zh-TW" altLang="en-US" sz="5400" b="1" dirty="0">
-                <a:latin typeface="微軟正黑體" pitchFamily="34" charset="-120"/>
-                <a:ea typeface="微軟正黑體" pitchFamily="34" charset="-120"/>
-              </a:rPr>
-              <a:t>使我的生命 能夠彰</a:t>
-            </a:r>
-            <a:r>
-              <a:rPr lang="zh-TW" altLang="en-US" sz="5400" b="1" dirty="0" smtClean="0">
-                <a:latin typeface="微軟正黑體" pitchFamily="34" charset="-120"/>
-                <a:ea typeface="微軟正黑體" pitchFamily="34" charset="-120"/>
-              </a:rPr>
-              <a:t>顯</a:t>
-            </a:r>
-            <a:r>
-              <a:rPr lang="zh-CN" altLang="en-US" sz="5400" b="1" dirty="0">
+              <a:rPr lang="zh-TW" altLang="en-US" sz="6400" b="1" dirty="0">
+                <a:solidFill>
+                  <a:srgbClr val="660033"/>
+                </a:solidFill>
+                <a:latin typeface="微軟正黑體" pitchFamily="34" charset="-120"/>
+                <a:ea typeface="微軟正黑體" pitchFamily="34" charset="-120"/>
+              </a:rPr>
+              <a:t>使我能成為</a:t>
+            </a:r>
+            <a:r>
+              <a:rPr lang="zh-CN" altLang="en-US" sz="6400" b="1" dirty="0">
+                <a:solidFill>
+                  <a:srgbClr val="660033"/>
+                </a:solidFill>
                 <a:latin typeface="微軟正黑體" pitchFamily="34" charset="-120"/>
                 <a:ea typeface="微軟正黑體" pitchFamily="34" charset="-120"/>
               </a:rPr>
               <a:t>袮</a:t>
             </a:r>
             <a:r>
-              <a:rPr lang="zh-TW" altLang="en-US" sz="5400" b="1" dirty="0" smtClean="0">
-                <a:latin typeface="微軟正黑體" pitchFamily="34" charset="-120"/>
-                <a:ea typeface="微軟正黑體" pitchFamily="34" charset="-120"/>
-              </a:rPr>
-              <a:t>榮</a:t>
-            </a:r>
-            <a:r>
-              <a:rPr lang="zh-TW" altLang="en-US" sz="5400" b="1" dirty="0">
-                <a:latin typeface="微軟正黑體" pitchFamily="34" charset="-120"/>
-                <a:ea typeface="微軟正黑體" pitchFamily="34" charset="-120"/>
-              </a:rPr>
-              <a:t>耀</a:t>
-            </a:r>
+              <a:rPr lang="zh-TW" altLang="en-US" sz="6400" b="1" dirty="0">
+                <a:solidFill>
+                  <a:srgbClr val="660033"/>
+                </a:solidFill>
+                <a:latin typeface="微軟正黑體" pitchFamily="34" charset="-120"/>
+                <a:ea typeface="微軟正黑體" pitchFamily="34" charset="-120"/>
+              </a:rPr>
+              <a:t>所喜悅的兒女</a:t>
+            </a:r>
+          </a:p>
+          <a:p>
+            <a:pPr algn="ctr">
+              <a:buNone/>
+            </a:pPr>
+            <a:r>
+              <a:rPr lang="zh-TW" altLang="en-US" sz="6400" b="1" dirty="0">
+                <a:solidFill>
+                  <a:srgbClr val="660033"/>
+                </a:solidFill>
+                <a:latin typeface="微軟正黑體" pitchFamily="34" charset="-120"/>
+                <a:ea typeface="微軟正黑體" pitchFamily="34" charset="-120"/>
+              </a:rPr>
+              <a:t>使我的生命 </a:t>
+            </a:r>
+            <a:r>
+              <a:rPr lang="zh-TW" altLang="en-US" sz="6400" b="1" dirty="0">
+                <a:solidFill>
+                  <a:srgbClr val="660033"/>
+                </a:solidFill>
+                <a:latin typeface="微軟正黑體" pitchFamily="34" charset="-120"/>
+                <a:ea typeface="微軟正黑體" pitchFamily="34" charset="-120"/>
+              </a:rPr>
+              <a:t> 能</a:t>
+            </a:r>
+            <a:r>
+              <a:rPr lang="zh-TW" altLang="en-US" sz="6400" b="1" dirty="0">
+                <a:solidFill>
+                  <a:srgbClr val="660033"/>
+                </a:solidFill>
+                <a:latin typeface="微軟正黑體" pitchFamily="34" charset="-120"/>
+                <a:ea typeface="微軟正黑體" pitchFamily="34" charset="-120"/>
+              </a:rPr>
+              <a:t>夠彰顯</a:t>
+            </a:r>
+            <a:r>
+              <a:rPr lang="zh-CN" altLang="en-US" sz="6400" b="1" dirty="0">
+                <a:solidFill>
+                  <a:srgbClr val="660033"/>
+                </a:solidFill>
+                <a:latin typeface="微軟正黑體" pitchFamily="34" charset="-120"/>
+                <a:ea typeface="微軟正黑體" pitchFamily="34" charset="-120"/>
+              </a:rPr>
+              <a:t>袮</a:t>
+            </a:r>
+            <a:r>
+              <a:rPr lang="zh-TW" altLang="en-US" sz="6400" b="1" dirty="0">
+                <a:solidFill>
+                  <a:srgbClr val="660033"/>
+                </a:solidFill>
+                <a:latin typeface="微軟正黑體" pitchFamily="34" charset="-120"/>
+                <a:ea typeface="微軟正黑體" pitchFamily="34" charset="-120"/>
+              </a:rPr>
+              <a:t>榮耀</a:t>
+            </a:r>
+          </a:p>
+        </p:txBody>
+      </p:sp>
+      <p:sp>
+        <p:nvSpPr>
+          <p:cNvPr id="3" name="TextBox 2"/>
+          <p:cNvSpPr txBox="1"/>
+          <p:nvPr/>
+        </p:nvSpPr>
+        <p:spPr>
+          <a:xfrm>
+            <a:off x="0" y="5157194"/>
+            <a:ext cx="12192000" cy="830997"/>
+          </a:xfrm>
+          <a:prstGeom prst="rect">
+            <a:avLst/>
+          </a:prstGeom>
+          <a:noFill/>
+        </p:spPr>
+        <p:txBody>
+          <a:bodyPr wrap="square" rtlCol="0">
+            <a:spAutoFit/>
+          </a:bodyPr>
+          <a:lstStyle/>
+          <a:p>
+            <a:pPr algn="ctr"/>
+            <a:r>
+              <a:rPr lang="en-US" sz="4800" b="1" dirty="0" smtClean="0">
+                <a:solidFill>
+                  <a:srgbClr val="660033"/>
+                </a:solidFill>
+                <a:latin typeface="Microsoft JhengHei" panose="020B0604030504040204" pitchFamily="34" charset="-120"/>
+                <a:ea typeface="Microsoft JhengHei" panose="020B0604030504040204" pitchFamily="34" charset="-120"/>
+              </a:rPr>
+              <a:t>( </a:t>
+            </a:r>
+            <a:r>
+              <a:rPr lang="zh-CN" altLang="en-US" sz="4800" b="1" dirty="0" smtClean="0">
+                <a:solidFill>
+                  <a:srgbClr val="660033"/>
+                </a:solidFill>
+                <a:latin typeface="Microsoft JhengHei" panose="020B0604030504040204" pitchFamily="34" charset="-120"/>
+                <a:ea typeface="Microsoft JhengHei" panose="020B0604030504040204" pitchFamily="34" charset="-120"/>
+              </a:rPr>
+              <a:t>副 </a:t>
+            </a:r>
+            <a:r>
+              <a:rPr lang="en-US" sz="4800" b="1" dirty="0" smtClean="0">
+                <a:solidFill>
+                  <a:srgbClr val="660033"/>
+                </a:solidFill>
+                <a:latin typeface="Microsoft JhengHei" panose="020B0604030504040204" pitchFamily="34" charset="-120"/>
+                <a:ea typeface="Microsoft JhengHei" panose="020B0604030504040204" pitchFamily="34" charset="-120"/>
+              </a:rPr>
+              <a:t>)</a:t>
+            </a:r>
+            <a:endParaRPr lang="vi-VN" sz="4800" b="1" dirty="0">
+              <a:solidFill>
+                <a:srgbClr val="660033"/>
+              </a:solidFill>
+              <a:ea typeface="Microsoft JhengHei" panose="020B0604030504040204" pitchFamily="34" charset="-120"/>
+            </a:endParaRPr>
           </a:p>
         </p:txBody>
       </p:sp>
     </p:spTree>
+    <p:extLst>
+      <p:ext uri="{BB962C8B-B14F-4D97-AF65-F5344CB8AC3E}">
+        <p14:creationId xmlns:p14="http://schemas.microsoft.com/office/powerpoint/2010/main" val="3288864802"/>
+      </p:ext>
+    </p:extLst>
   </p:cSld>
   <p:clrMapOvr>
     <a:masterClrMapping/>
